--- a/doc/interfaccia.pptx
+++ b/doc/interfaccia.pptx
@@ -5,8 +5,10 @@
     <p:sldMasterId id="2147483648" r:id="rId1"/>
   </p:sldMasterIdLst>
   <p:sldIdLst>
-    <p:sldId id="256" r:id="rId2"/>
-    <p:sldId id="257" r:id="rId3"/>
+    <p:sldId id="258" r:id="rId2"/>
+    <p:sldId id="256" r:id="rId3"/>
+    <p:sldId id="257" r:id="rId4"/>
+    <p:sldId id="259" r:id="rId5"/>
   </p:sldIdLst>
   <p:sldSz cx="12192000" cy="6858000"/>
   <p:notesSz cx="6858000" cy="9144000"/>
@@ -105,6 +107,11 @@
       </a:defRPr>
     </a:lvl9pPr>
   </p:defaultTextStyle>
+  <p:extLst>
+    <p:ext uri="{EFAFB233-063F-42B5-8137-9DF3F51BA10A}">
+      <p15:sldGuideLst xmlns:p15="http://schemas.microsoft.com/office/powerpoint/2012/main"/>
+    </p:ext>
+  </p:extLst>
 </p:presentation>
 </file>
 
@@ -257,7 +264,7 @@
           <a:p>
             <a:fld id="{51459D58-CECF-4743-8C52-FCE990CBD162}" type="datetimeFigureOut">
               <a:rPr lang="en-US" smtClean="0"/>
-              <a:t>12/11/2019</a:t>
+              <a:t>1/28/2020</a:t>
             </a:fld>
             <a:endParaRPr lang="en-US"/>
           </a:p>
@@ -311,7 +318,7 @@
           <a:p>
             <a:fld id="{45C47F71-CBAE-4EBC-9C39-A576A6F739BE}" type="slidenum">
               <a:rPr lang="en-US" smtClean="0"/>
-              <a:t>‹N›</a:t>
+              <a:t>‹#›</a:t>
             </a:fld>
             <a:endParaRPr lang="en-US"/>
           </a:p>
@@ -457,7 +464,7 @@
           <a:p>
             <a:fld id="{51459D58-CECF-4743-8C52-FCE990CBD162}" type="datetimeFigureOut">
               <a:rPr lang="en-US" smtClean="0"/>
-              <a:t>12/11/2019</a:t>
+              <a:t>1/28/2020</a:t>
             </a:fld>
             <a:endParaRPr lang="en-US"/>
           </a:p>
@@ -511,7 +518,7 @@
           <a:p>
             <a:fld id="{45C47F71-CBAE-4EBC-9C39-A576A6F739BE}" type="slidenum">
               <a:rPr lang="en-US" smtClean="0"/>
-              <a:t>‹N›</a:t>
+              <a:t>‹#›</a:t>
             </a:fld>
             <a:endParaRPr lang="en-US"/>
           </a:p>
@@ -667,7 +674,7 @@
           <a:p>
             <a:fld id="{51459D58-CECF-4743-8C52-FCE990CBD162}" type="datetimeFigureOut">
               <a:rPr lang="en-US" smtClean="0"/>
-              <a:t>12/11/2019</a:t>
+              <a:t>1/28/2020</a:t>
             </a:fld>
             <a:endParaRPr lang="en-US"/>
           </a:p>
@@ -721,7 +728,7 @@
           <a:p>
             <a:fld id="{45C47F71-CBAE-4EBC-9C39-A576A6F739BE}" type="slidenum">
               <a:rPr lang="en-US" smtClean="0"/>
-              <a:t>‹N›</a:t>
+              <a:t>‹#›</a:t>
             </a:fld>
             <a:endParaRPr lang="en-US"/>
           </a:p>
@@ -867,7 +874,7 @@
           <a:p>
             <a:fld id="{51459D58-CECF-4743-8C52-FCE990CBD162}" type="datetimeFigureOut">
               <a:rPr lang="en-US" smtClean="0"/>
-              <a:t>12/11/2019</a:t>
+              <a:t>1/28/2020</a:t>
             </a:fld>
             <a:endParaRPr lang="en-US"/>
           </a:p>
@@ -921,7 +928,7 @@
           <a:p>
             <a:fld id="{45C47F71-CBAE-4EBC-9C39-A576A6F739BE}" type="slidenum">
               <a:rPr lang="en-US" smtClean="0"/>
-              <a:t>‹N›</a:t>
+              <a:t>‹#›</a:t>
             </a:fld>
             <a:endParaRPr lang="en-US"/>
           </a:p>
@@ -1143,7 +1150,7 @@
           <a:p>
             <a:fld id="{51459D58-CECF-4743-8C52-FCE990CBD162}" type="datetimeFigureOut">
               <a:rPr lang="en-US" smtClean="0"/>
-              <a:t>12/11/2019</a:t>
+              <a:t>1/28/2020</a:t>
             </a:fld>
             <a:endParaRPr lang="en-US"/>
           </a:p>
@@ -1197,7 +1204,7 @@
           <a:p>
             <a:fld id="{45C47F71-CBAE-4EBC-9C39-A576A6F739BE}" type="slidenum">
               <a:rPr lang="en-US" smtClean="0"/>
-              <a:t>‹N›</a:t>
+              <a:t>‹#›</a:t>
             </a:fld>
             <a:endParaRPr lang="en-US"/>
           </a:p>
@@ -1411,7 +1418,7 @@
           <a:p>
             <a:fld id="{51459D58-CECF-4743-8C52-FCE990CBD162}" type="datetimeFigureOut">
               <a:rPr lang="en-US" smtClean="0"/>
-              <a:t>12/11/2019</a:t>
+              <a:t>1/28/2020</a:t>
             </a:fld>
             <a:endParaRPr lang="en-US"/>
           </a:p>
@@ -1465,7 +1472,7 @@
           <a:p>
             <a:fld id="{45C47F71-CBAE-4EBC-9C39-A576A6F739BE}" type="slidenum">
               <a:rPr lang="en-US" smtClean="0"/>
-              <a:t>‹N›</a:t>
+              <a:t>‹#›</a:t>
             </a:fld>
             <a:endParaRPr lang="en-US"/>
           </a:p>
@@ -1826,7 +1833,7 @@
           <a:p>
             <a:fld id="{51459D58-CECF-4743-8C52-FCE990CBD162}" type="datetimeFigureOut">
               <a:rPr lang="en-US" smtClean="0"/>
-              <a:t>12/11/2019</a:t>
+              <a:t>1/28/2020</a:t>
             </a:fld>
             <a:endParaRPr lang="en-US"/>
           </a:p>
@@ -1880,7 +1887,7 @@
           <a:p>
             <a:fld id="{45C47F71-CBAE-4EBC-9C39-A576A6F739BE}" type="slidenum">
               <a:rPr lang="en-US" smtClean="0"/>
-              <a:t>‹N›</a:t>
+              <a:t>‹#›</a:t>
             </a:fld>
             <a:endParaRPr lang="en-US"/>
           </a:p>
@@ -1968,7 +1975,7 @@
           <a:p>
             <a:fld id="{51459D58-CECF-4743-8C52-FCE990CBD162}" type="datetimeFigureOut">
               <a:rPr lang="en-US" smtClean="0"/>
-              <a:t>12/11/2019</a:t>
+              <a:t>1/28/2020</a:t>
             </a:fld>
             <a:endParaRPr lang="en-US"/>
           </a:p>
@@ -2022,7 +2029,7 @@
           <a:p>
             <a:fld id="{45C47F71-CBAE-4EBC-9C39-A576A6F739BE}" type="slidenum">
               <a:rPr lang="en-US" smtClean="0"/>
-              <a:t>‹N›</a:t>
+              <a:t>‹#›</a:t>
             </a:fld>
             <a:endParaRPr lang="en-US"/>
           </a:p>
@@ -2081,7 +2088,7 @@
           <a:p>
             <a:fld id="{51459D58-CECF-4743-8C52-FCE990CBD162}" type="datetimeFigureOut">
               <a:rPr lang="en-US" smtClean="0"/>
-              <a:t>12/11/2019</a:t>
+              <a:t>1/28/2020</a:t>
             </a:fld>
             <a:endParaRPr lang="en-US"/>
           </a:p>
@@ -2135,7 +2142,7 @@
           <a:p>
             <a:fld id="{45C47F71-CBAE-4EBC-9C39-A576A6F739BE}" type="slidenum">
               <a:rPr lang="en-US" smtClean="0"/>
-              <a:t>‹N›</a:t>
+              <a:t>‹#›</a:t>
             </a:fld>
             <a:endParaRPr lang="en-US"/>
           </a:p>
@@ -2394,7 +2401,7 @@
           <a:p>
             <a:fld id="{51459D58-CECF-4743-8C52-FCE990CBD162}" type="datetimeFigureOut">
               <a:rPr lang="en-US" smtClean="0"/>
-              <a:t>12/11/2019</a:t>
+              <a:t>1/28/2020</a:t>
             </a:fld>
             <a:endParaRPr lang="en-US"/>
           </a:p>
@@ -2448,7 +2455,7 @@
           <a:p>
             <a:fld id="{45C47F71-CBAE-4EBC-9C39-A576A6F739BE}" type="slidenum">
               <a:rPr lang="en-US" smtClean="0"/>
-              <a:t>‹N›</a:t>
+              <a:t>‹#›</a:t>
             </a:fld>
             <a:endParaRPr lang="en-US"/>
           </a:p>
@@ -2683,7 +2690,7 @@
           <a:p>
             <a:fld id="{51459D58-CECF-4743-8C52-FCE990CBD162}" type="datetimeFigureOut">
               <a:rPr lang="en-US" smtClean="0"/>
-              <a:t>12/11/2019</a:t>
+              <a:t>1/28/2020</a:t>
             </a:fld>
             <a:endParaRPr lang="en-US"/>
           </a:p>
@@ -2737,7 +2744,7 @@
           <a:p>
             <a:fld id="{45C47F71-CBAE-4EBC-9C39-A576A6F739BE}" type="slidenum">
               <a:rPr lang="en-US" smtClean="0"/>
-              <a:t>‹N›</a:t>
+              <a:t>‹#›</a:t>
             </a:fld>
             <a:endParaRPr lang="en-US"/>
           </a:p>
@@ -2926,7 +2933,7 @@
           <a:p>
             <a:fld id="{51459D58-CECF-4743-8C52-FCE990CBD162}" type="datetimeFigureOut">
               <a:rPr lang="en-US" smtClean="0"/>
-              <a:t>12/11/2019</a:t>
+              <a:t>1/28/2020</a:t>
             </a:fld>
             <a:endParaRPr lang="en-US"/>
           </a:p>
@@ -3016,7 +3023,7 @@
           <a:p>
             <a:fld id="{45C47F71-CBAE-4EBC-9C39-A576A6F739BE}" type="slidenum">
               <a:rPr lang="en-US" smtClean="0"/>
-              <a:t>‹N›</a:t>
+              <a:t>‹#›</a:t>
             </a:fld>
             <a:endParaRPr lang="en-US"/>
           </a:p>
@@ -3345,40 +3352,36 @@
       </p:grpSpPr>
       <p:sp>
         <p:nvSpPr>
-          <p:cNvPr id="4" name="CasellaDiTesto 3">
-            <a:extLst>
-              <a:ext uri="{FF2B5EF4-FFF2-40B4-BE49-F238E27FC236}">
-                <a16:creationId xmlns:a16="http://schemas.microsoft.com/office/drawing/2014/main" id="{500D6FFC-D919-451F-804B-DDBDD416BFF6}"/>
-              </a:ext>
-            </a:extLst>
-          </p:cNvPr>
-          <p:cNvSpPr txBox="1"/>
-          <p:nvPr/>
-        </p:nvSpPr>
-        <p:spPr>
-          <a:xfrm>
-            <a:off x="931873" y="378573"/>
-            <a:ext cx="6144535" cy="369332"/>
-          </a:xfrm>
-          <a:prstGeom prst="rect">
-            <a:avLst/>
-          </a:prstGeom>
-          <a:noFill/>
-          <a:ln w="6350">
-            <a:solidFill>
-              <a:schemeClr val="tx1"/>
-            </a:solidFill>
-          </a:ln>
-        </p:spPr>
-        <p:txBody>
-          <a:bodyPr wrap="square" rtlCol="0">
-            <a:spAutoFit/>
+          <p:cNvPr id="2" name="Title 1">
+            <a:extLst>
+              <a:ext uri="{FF2B5EF4-FFF2-40B4-BE49-F238E27FC236}">
+                <a16:creationId xmlns:a16="http://schemas.microsoft.com/office/drawing/2014/main" id="{07DF3CB9-EAE5-4DA2-84FE-8BE53E3C428E}"/>
+              </a:ext>
+            </a:extLst>
+          </p:cNvPr>
+          <p:cNvSpPr>
+            <a:spLocks noGrp="1"/>
+          </p:cNvSpPr>
+          <p:nvPr>
+            <p:ph type="ctrTitle"/>
+          </p:nvPr>
+        </p:nvSpPr>
+        <p:spPr>
+          <a:xfrm>
+            <a:off x="1524000" y="1122363"/>
+            <a:ext cx="6394704" cy="871029"/>
+          </a:xfrm>
+        </p:spPr>
+        <p:txBody>
+          <a:bodyPr>
+            <a:normAutofit fontScale="90000"/>
           </a:bodyPr>
           <a:lstStyle/>
           <a:p>
+            <a:pPr algn="l"/>
             <a:r>
               <a:rPr lang="it-IT" dirty="0"/>
-              <a:t>C:\directory-genoveffa\pannello.csv</a:t>
+              <a:t>Questioni</a:t>
             </a:r>
             <a:endParaRPr lang="en-US" dirty="0"/>
           </a:p>
@@ -3386,508 +3389,438 @@
       </p:sp>
       <p:sp>
         <p:nvSpPr>
-          <p:cNvPr id="5" name="Rettangolo 4">
-            <a:extLst>
-              <a:ext uri="{FF2B5EF4-FFF2-40B4-BE49-F238E27FC236}">
-                <a16:creationId xmlns:a16="http://schemas.microsoft.com/office/drawing/2014/main" id="{3F7B3706-7B88-471A-8B49-D7724D114EEE}"/>
-              </a:ext>
-            </a:extLst>
-          </p:cNvPr>
-          <p:cNvSpPr/>
-          <p:nvPr/>
-        </p:nvSpPr>
-        <p:spPr>
-          <a:xfrm>
-            <a:off x="7309376" y="337804"/>
-            <a:ext cx="1904514" cy="410101"/>
-          </a:xfrm>
-          <a:prstGeom prst="rect">
-            <a:avLst/>
-          </a:prstGeom>
-        </p:spPr>
-        <p:style>
-          <a:lnRef idx="2">
-            <a:schemeClr val="accent1">
-              <a:shade val="50000"/>
-            </a:schemeClr>
-          </a:lnRef>
-          <a:fillRef idx="1">
-            <a:schemeClr val="accent1"/>
-          </a:fillRef>
-          <a:effectRef idx="0">
-            <a:schemeClr val="accent1"/>
-          </a:effectRef>
-          <a:fontRef idx="minor">
-            <a:schemeClr val="lt1"/>
-          </a:fontRef>
-        </p:style>
-        <p:txBody>
-          <a:bodyPr rtlCol="0" anchor="ctr"/>
-          <a:lstStyle/>
-          <a:p>
-            <a:pPr algn="ctr"/>
+          <p:cNvPr id="3" name="Subtitle 2">
+            <a:extLst>
+              <a:ext uri="{FF2B5EF4-FFF2-40B4-BE49-F238E27FC236}">
+                <a16:creationId xmlns:a16="http://schemas.microsoft.com/office/drawing/2014/main" id="{7E532D42-5EFB-4F3F-8DB1-D583884E9856}"/>
+              </a:ext>
+            </a:extLst>
+          </p:cNvPr>
+          <p:cNvSpPr>
+            <a:spLocks noGrp="1"/>
+          </p:cNvSpPr>
+          <p:nvPr>
+            <p:ph type="subTitle" idx="1"/>
+          </p:nvPr>
+        </p:nvSpPr>
+        <p:spPr>
+          <a:xfrm>
+            <a:off x="1463040" y="2425510"/>
+            <a:ext cx="9144000" cy="1655762"/>
+          </a:xfrm>
+        </p:spPr>
+        <p:txBody>
+          <a:bodyPr>
+            <a:normAutofit fontScale="70000" lnSpcReduction="20000"/>
+          </a:bodyPr>
+          <a:lstStyle/>
+          <a:p>
+            <a:pPr marL="342900" indent="-342900" algn="l">
+              <a:buFont typeface="Arial" panose="020B0604020202020204" pitchFamily="34" charset="0"/>
+              <a:buChar char="•"/>
+            </a:pPr>
             <a:r>
               <a:rPr lang="it-IT" dirty="0"/>
-              <a:t>Carica</a:t>
+              <a:t>Dimensioni interfaccia? (800x600? Reattiva? Per non sbatterci suggerirei fissa a 800x600)</a:t>
+            </a:r>
+          </a:p>
+          <a:p>
+            <a:pPr marL="342900" indent="-342900" algn="l">
+              <a:buFont typeface="Arial" panose="020B0604020202020204" pitchFamily="34" charset="0"/>
+              <a:buChar char="•"/>
+            </a:pPr>
+            <a:r>
+              <a:rPr lang="en-US" dirty="0" err="1"/>
+              <a:t>Quando</a:t>
+            </a:r>
+            <a:r>
+              <a:rPr lang="en-US" dirty="0"/>
+              <a:t> </a:t>
+            </a:r>
+            <a:r>
+              <a:rPr lang="en-US" dirty="0" err="1"/>
+              <a:t>si</a:t>
+            </a:r>
+            <a:r>
+              <a:rPr lang="en-US" dirty="0"/>
+              <a:t> </a:t>
+            </a:r>
+            <a:r>
+              <a:rPr lang="en-US" dirty="0" err="1"/>
+              <a:t>schiaccia</a:t>
+            </a:r>
+            <a:r>
+              <a:rPr lang="en-US" dirty="0"/>
+              <a:t> Run, far </a:t>
+            </a:r>
+            <a:r>
+              <a:rPr lang="en-US" dirty="0" err="1"/>
+              <a:t>partire</a:t>
+            </a:r>
+            <a:r>
+              <a:rPr lang="en-US" dirty="0"/>
+              <a:t> una </a:t>
+            </a:r>
+            <a:r>
+              <a:rPr lang="en-US" dirty="0" err="1"/>
+              <a:t>qualche</a:t>
+            </a:r>
+            <a:r>
+              <a:rPr lang="en-US" dirty="0"/>
+              <a:t> </a:t>
+            </a:r>
+            <a:r>
+              <a:rPr lang="en-US" dirty="0" err="1"/>
+              <a:t>animazione</a:t>
+            </a:r>
+            <a:r>
+              <a:rPr lang="en-US" dirty="0"/>
+              <a:t>.</a:t>
+            </a:r>
+          </a:p>
+          <a:p>
+            <a:pPr marL="800100" lvl="1" indent="-342900" algn="l">
+              <a:buFont typeface="Arial" panose="020B0604020202020204" pitchFamily="34" charset="0"/>
+              <a:buChar char="•"/>
+            </a:pPr>
+            <a:r>
+              <a:rPr lang="en-US" dirty="0"/>
+              <a:t>SE E’ FACILE, </a:t>
+            </a:r>
+            <a:r>
+              <a:rPr lang="en-US" dirty="0" err="1"/>
+              <a:t>il</a:t>
+            </a:r>
+            <a:r>
+              <a:rPr lang="en-US" dirty="0"/>
+              <a:t> sole </a:t>
+            </a:r>
+            <a:r>
+              <a:rPr lang="en-US" dirty="0" err="1"/>
+              <a:t>nel</a:t>
+            </a:r>
+            <a:r>
+              <a:rPr lang="en-US" dirty="0"/>
+              <a:t> </a:t>
+            </a:r>
+            <a:r>
+              <a:rPr lang="en-US" dirty="0" err="1"/>
+              <a:t>pannello</a:t>
             </a:r>
             <a:endParaRPr lang="en-US" dirty="0"/>
           </a:p>
-        </p:txBody>
-      </p:sp>
-      <p:sp>
-        <p:nvSpPr>
-          <p:cNvPr id="6" name="Rettangolo 5">
-            <a:extLst>
-              <a:ext uri="{FF2B5EF4-FFF2-40B4-BE49-F238E27FC236}">
-                <a16:creationId xmlns:a16="http://schemas.microsoft.com/office/drawing/2014/main" id="{FE161866-B9DB-417C-BB27-F50B92C0FAF2}"/>
-              </a:ext>
-            </a:extLst>
-          </p:cNvPr>
-          <p:cNvSpPr/>
-          <p:nvPr/>
-        </p:nvSpPr>
-        <p:spPr>
-          <a:xfrm>
-            <a:off x="865632" y="1182624"/>
-            <a:ext cx="8510016" cy="5126736"/>
-          </a:xfrm>
-          <a:prstGeom prst="rect">
-            <a:avLst/>
-          </a:prstGeom>
-          <a:solidFill>
-            <a:schemeClr val="tx1">
-              <a:lumMod val="65000"/>
-              <a:lumOff val="35000"/>
-            </a:schemeClr>
-          </a:solidFill>
-        </p:spPr>
-        <p:style>
-          <a:lnRef idx="2">
-            <a:schemeClr val="accent1">
-              <a:shade val="50000"/>
-            </a:schemeClr>
-          </a:lnRef>
-          <a:fillRef idx="1">
-            <a:schemeClr val="accent1"/>
-          </a:fillRef>
-          <a:effectRef idx="0">
-            <a:schemeClr val="accent1"/>
-          </a:effectRef>
-          <a:fontRef idx="minor">
-            <a:schemeClr val="lt1"/>
-          </a:fontRef>
-        </p:style>
-        <p:txBody>
-          <a:bodyPr rtlCol="0" anchor="ctr"/>
-          <a:lstStyle/>
-          <a:p>
-            <a:pPr algn="ctr"/>
-            <a:endParaRPr lang="en-US"/>
-          </a:p>
-        </p:txBody>
-      </p:sp>
-      <p:sp>
-        <p:nvSpPr>
-          <p:cNvPr id="7" name="Triangolo isoscele 6">
-            <a:extLst>
-              <a:ext uri="{FF2B5EF4-FFF2-40B4-BE49-F238E27FC236}">
-                <a16:creationId xmlns:a16="http://schemas.microsoft.com/office/drawing/2014/main" id="{DA1463BA-F3F8-44D3-B8F4-00994B14E203}"/>
-              </a:ext>
-            </a:extLst>
-          </p:cNvPr>
-          <p:cNvSpPr/>
-          <p:nvPr/>
-        </p:nvSpPr>
-        <p:spPr>
-          <a:xfrm>
-            <a:off x="4004140" y="3294888"/>
-            <a:ext cx="1749552" cy="2145792"/>
-          </a:xfrm>
-          <a:prstGeom prst="triangle">
-            <a:avLst/>
-          </a:prstGeom>
-        </p:spPr>
-        <p:style>
-          <a:lnRef idx="2">
-            <a:schemeClr val="accent1">
-              <a:shade val="50000"/>
-            </a:schemeClr>
-          </a:lnRef>
-          <a:fillRef idx="1">
-            <a:schemeClr val="accent1"/>
-          </a:fillRef>
-          <a:effectRef idx="0">
-            <a:schemeClr val="accent1"/>
-          </a:effectRef>
-          <a:fontRef idx="minor">
-            <a:schemeClr val="lt1"/>
-          </a:fontRef>
-        </p:style>
-        <p:txBody>
-          <a:bodyPr rtlCol="0" anchor="ctr"/>
-          <a:lstStyle/>
-          <a:p>
-            <a:pPr algn="ctr"/>
-            <a:r>
-              <a:rPr lang="it-IT" dirty="0"/>
-              <a:t>Pannello 3D</a:t>
-            </a:r>
-            <a:endParaRPr lang="en-US" dirty="0"/>
+          <a:p>
+            <a:pPr marL="800100" lvl="1" indent="-342900" algn="l">
+              <a:buFont typeface="Arial" panose="020B0604020202020204" pitchFamily="34" charset="0"/>
+              <a:buChar char="•"/>
+            </a:pPr>
+            <a:r>
+              <a:rPr lang="en-US" dirty="0"/>
+              <a:t>SE NON E’ FACILE, far </a:t>
+            </a:r>
+            <a:r>
+              <a:rPr lang="en-US" dirty="0" err="1"/>
+              <a:t>caricare</a:t>
+            </a:r>
+            <a:r>
+              <a:rPr lang="en-US" dirty="0"/>
+              <a:t> </a:t>
+            </a:r>
+            <a:r>
+              <a:rPr lang="en-US" dirty="0" err="1"/>
+              <a:t>ogni</a:t>
+            </a:r>
+            <a:r>
+              <a:rPr lang="en-US" dirty="0"/>
+              <a:t> x loop (</a:t>
+            </a:r>
+            <a:r>
+              <a:rPr lang="en-US" dirty="0" err="1"/>
+              <a:t>tipo</a:t>
+            </a:r>
+            <a:r>
+              <a:rPr lang="en-US" dirty="0"/>
+              <a:t> 10?) una </a:t>
+            </a:r>
+            <a:r>
+              <a:rPr lang="en-US" dirty="0" err="1"/>
+              <a:t>immagine</a:t>
+            </a:r>
+            <a:r>
+              <a:rPr lang="en-US" dirty="0"/>
+              <a:t> jpeg o </a:t>
+            </a:r>
+            <a:r>
+              <a:rPr lang="en-US" dirty="0" err="1"/>
+              <a:t>png</a:t>
+            </a:r>
+            <a:r>
+              <a:rPr lang="en-US" dirty="0"/>
+              <a:t> </a:t>
+            </a:r>
+            <a:r>
+              <a:rPr lang="en-US" dirty="0" err="1"/>
+              <a:t>all’interno</a:t>
+            </a:r>
+            <a:r>
+              <a:rPr lang="en-US" dirty="0"/>
+              <a:t> del box. </a:t>
+            </a:r>
+          </a:p>
+          <a:p>
+            <a:pPr marL="1257300" lvl="2" indent="-342900" algn="l">
+              <a:buFont typeface="Arial" panose="020B0604020202020204" pitchFamily="34" charset="0"/>
+              <a:buChar char="•"/>
+            </a:pPr>
+            <a:r>
+              <a:rPr lang="en-US" dirty="0"/>
+              <a:t>Le </a:t>
+            </a:r>
+            <a:r>
+              <a:rPr lang="en-US" dirty="0" err="1"/>
+              <a:t>immagini</a:t>
+            </a:r>
+            <a:r>
+              <a:rPr lang="en-US" dirty="0"/>
+              <a:t> </a:t>
+            </a:r>
+            <a:r>
+              <a:rPr lang="en-US" dirty="0" err="1"/>
+              <a:t>vengono</a:t>
+            </a:r>
+            <a:r>
+              <a:rPr lang="en-US" dirty="0"/>
+              <a:t> generate da </a:t>
+            </a:r>
+            <a:r>
+              <a:rPr lang="en-US" dirty="0" err="1"/>
+              <a:t>gnuplot</a:t>
+            </a:r>
+            <a:r>
+              <a:rPr lang="en-US" dirty="0"/>
+              <a:t> (</a:t>
+            </a:r>
+            <a:r>
+              <a:rPr lang="en-US" dirty="0" err="1"/>
+              <a:t>src</a:t>
+            </a:r>
+            <a:r>
+              <a:rPr lang="en-US" dirty="0"/>
+              <a:t>/plot/gnuplot.cpp) con </a:t>
+            </a:r>
+            <a:r>
+              <a:rPr lang="en-US" dirty="0" err="1"/>
+              <a:t>il</a:t>
+            </a:r>
+            <a:r>
+              <a:rPr lang="en-US" dirty="0"/>
+              <a:t> </a:t>
+            </a:r>
+            <a:r>
+              <a:rPr lang="en-US" dirty="0" err="1"/>
+              <a:t>grafico</a:t>
+            </a:r>
+            <a:r>
+              <a:rPr lang="en-US" dirty="0"/>
+              <a:t> del </a:t>
+            </a:r>
+            <a:r>
+              <a:rPr lang="en-US" dirty="0" err="1"/>
+              <a:t>rendeimento</a:t>
+            </a:r>
+            <a:r>
+              <a:rPr lang="en-US" dirty="0"/>
+              <a:t> </a:t>
+            </a:r>
+            <a:r>
+              <a:rPr lang="en-US" dirty="0" err="1"/>
+              <a:t>della</a:t>
+            </a:r>
+            <a:r>
+              <a:rPr lang="en-US" dirty="0"/>
+              <a:t> </a:t>
+            </a:r>
+            <a:r>
+              <a:rPr lang="en-US" dirty="0" err="1"/>
+              <a:t>giornata</a:t>
+            </a:r>
+            <a:r>
+              <a:rPr lang="en-US" dirty="0"/>
+              <a:t> </a:t>
+            </a:r>
+            <a:r>
+              <a:rPr lang="en-US" dirty="0" err="1"/>
+              <a:t>tipo</a:t>
+            </a:r>
+            <a:r>
+              <a:rPr lang="en-US" dirty="0"/>
+              <a:t> </a:t>
+            </a:r>
+            <a:r>
+              <a:rPr lang="en-US" dirty="0" err="1"/>
+              <a:t>questo</a:t>
+            </a:r>
+            <a:r>
+              <a:rPr lang="en-US" dirty="0"/>
+              <a:t> qua sotto e </a:t>
+            </a:r>
+            <a:r>
+              <a:rPr lang="en-US" dirty="0" err="1"/>
+              <a:t>salvate</a:t>
+            </a:r>
+            <a:r>
+              <a:rPr lang="en-US" dirty="0"/>
+              <a:t> </a:t>
+            </a:r>
+            <a:r>
+              <a:rPr lang="en-US" dirty="0" err="1"/>
+              <a:t>su</a:t>
+            </a:r>
+            <a:r>
+              <a:rPr lang="en-US" dirty="0"/>
+              <a:t> disco. Di </a:t>
+            </a:r>
+            <a:r>
+              <a:rPr lang="en-US" dirty="0" err="1"/>
+              <a:t>gnuplot</a:t>
+            </a:r>
+            <a:r>
+              <a:rPr lang="en-US" dirty="0"/>
+              <a:t> mi </a:t>
+            </a:r>
+            <a:r>
+              <a:rPr lang="en-US" dirty="0" err="1"/>
+              <a:t>occupo</a:t>
+            </a:r>
+            <a:r>
+              <a:rPr lang="en-US" dirty="0"/>
+              <a:t> </a:t>
+            </a:r>
+            <a:r>
+              <a:rPr lang="en-US" dirty="0" err="1"/>
+              <a:t>io</a:t>
+            </a:r>
+            <a:r>
+              <a:rPr lang="en-US" dirty="0"/>
+              <a:t>, </a:t>
+            </a:r>
+            <a:r>
+              <a:rPr lang="en-US" dirty="0" err="1"/>
+              <a:t>basta</a:t>
+            </a:r>
+            <a:r>
+              <a:rPr lang="en-US" dirty="0"/>
+              <a:t> </a:t>
+            </a:r>
+            <a:r>
+              <a:rPr lang="en-US" dirty="0" err="1"/>
+              <a:t>che</a:t>
+            </a:r>
+            <a:r>
+              <a:rPr lang="en-US" dirty="0"/>
+              <a:t> mi </a:t>
+            </a:r>
+            <a:r>
+              <a:rPr lang="en-US" dirty="0" err="1"/>
+              <a:t>dite</a:t>
+            </a:r>
+            <a:r>
+              <a:rPr lang="en-US" dirty="0"/>
+              <a:t> in </a:t>
+            </a:r>
+            <a:r>
+              <a:rPr lang="en-US" dirty="0" err="1"/>
+              <a:t>che</a:t>
+            </a:r>
+            <a:r>
+              <a:rPr lang="en-US" dirty="0"/>
+              <a:t> </a:t>
+            </a:r>
+            <a:r>
+              <a:rPr lang="en-US" dirty="0" err="1"/>
+              <a:t>dimensioni</a:t>
+            </a:r>
+            <a:r>
+              <a:rPr lang="en-US" dirty="0"/>
+              <a:t> e </a:t>
+            </a:r>
+            <a:r>
+              <a:rPr lang="en-US" dirty="0" err="1"/>
+              <a:t>ogni</a:t>
+            </a:r>
+            <a:r>
+              <a:rPr lang="en-US" dirty="0"/>
+              <a:t> “</a:t>
+            </a:r>
+            <a:r>
+              <a:rPr lang="en-US" dirty="0" err="1"/>
+              <a:t>quanto</a:t>
+            </a:r>
+            <a:r>
+              <a:rPr lang="en-US" dirty="0"/>
+              <a:t>” le </a:t>
+            </a:r>
+            <a:r>
+              <a:rPr lang="en-US" dirty="0" err="1"/>
+              <a:t>volete</a:t>
+            </a:r>
+            <a:r>
+              <a:rPr lang="en-US" dirty="0"/>
+              <a:t> (</a:t>
+            </a:r>
+            <a:r>
+              <a:rPr lang="en-US" dirty="0" err="1"/>
+              <a:t>ogni</a:t>
+            </a:r>
+            <a:r>
+              <a:rPr lang="en-US" dirty="0"/>
+              <a:t> 10 </a:t>
+            </a:r>
+            <a:r>
+              <a:rPr lang="en-US" dirty="0" err="1"/>
+              <a:t>giorni</a:t>
+            </a:r>
+            <a:r>
+              <a:rPr lang="en-US" dirty="0"/>
+              <a:t> di loop?)</a:t>
+            </a:r>
           </a:p>
         </p:txBody>
       </p:sp>
       <p:pic>
         <p:nvPicPr>
-          <p:cNvPr id="1026" name="Picture 2" descr="Image result for sole teletubbies">
-            <a:extLst>
-              <a:ext uri="{FF2B5EF4-FFF2-40B4-BE49-F238E27FC236}">
-                <a16:creationId xmlns:a16="http://schemas.microsoft.com/office/drawing/2014/main" id="{646C1E59-55A6-4647-B66E-99472C686E2A}"/>
+          <p:cNvPr id="4" name="Picture 3">
+            <a:extLst>
+              <a:ext uri="{FF2B5EF4-FFF2-40B4-BE49-F238E27FC236}">
+                <a16:creationId xmlns:a16="http://schemas.microsoft.com/office/drawing/2014/main" id="{21088CA0-FB50-427C-9681-ED5A2452D895}"/>
               </a:ext>
             </a:extLst>
           </p:cNvPr>
           <p:cNvPicPr>
-            <a:picLocks noChangeAspect="1" noChangeArrowheads="1"/>
+            <a:picLocks noChangeAspect="1"/>
           </p:cNvPicPr>
           <p:nvPr/>
         </p:nvPicPr>
         <p:blipFill>
-          <a:blip r:embed="rId2">
-            <a:extLst>
-              <a:ext uri="{28A0092B-C50C-407E-A947-70E740481C1C}">
-                <a14:useLocalDpi xmlns:a14="http://schemas.microsoft.com/office/drawing/2010/main" val="0"/>
-              </a:ext>
-            </a:extLst>
-          </a:blip>
-          <a:srcRect/>
+          <a:blip r:embed="rId2"/>
           <a:stretch>
             <a:fillRect/>
           </a:stretch>
         </p:blipFill>
-        <p:spPr bwMode="auto">
-          <a:xfrm>
-            <a:off x="1949007" y="1500759"/>
-            <a:ext cx="1946338" cy="1450727"/>
+        <p:spPr>
+          <a:xfrm>
+            <a:off x="5834062" y="3891598"/>
+            <a:ext cx="3709797" cy="2773680"/>
           </a:xfrm>
           <a:prstGeom prst="rect">
             <a:avLst/>
           </a:prstGeom>
-          <a:noFill/>
-          <a:extLst>
-            <a:ext uri="{909E8E84-426E-40DD-AFC4-6F175D3DCCD1}">
-              <a14:hiddenFill xmlns:a14="http://schemas.microsoft.com/office/drawing/2010/main">
-                <a:solidFill>
-                  <a:srgbClr val="FFFFFF"/>
-                </a:solidFill>
-              </a14:hiddenFill>
-            </a:ext>
-          </a:extLst>
         </p:spPr>
       </p:pic>
-      <p:sp>
-        <p:nvSpPr>
-          <p:cNvPr id="8" name="Rettangolo 7">
-            <a:extLst>
-              <a:ext uri="{FF2B5EF4-FFF2-40B4-BE49-F238E27FC236}">
-                <a16:creationId xmlns:a16="http://schemas.microsoft.com/office/drawing/2014/main" id="{8887ADDF-163B-4DC4-8F2C-FDD4E4E6266B}"/>
-              </a:ext>
-            </a:extLst>
-          </p:cNvPr>
-          <p:cNvSpPr/>
-          <p:nvPr/>
-        </p:nvSpPr>
-        <p:spPr>
-          <a:xfrm>
-            <a:off x="9790176" y="433437"/>
-            <a:ext cx="2097024" cy="5875923"/>
-          </a:xfrm>
-          <a:prstGeom prst="rect">
-            <a:avLst/>
-          </a:prstGeom>
-        </p:spPr>
-        <p:style>
-          <a:lnRef idx="2">
-            <a:schemeClr val="dk1"/>
-          </a:lnRef>
-          <a:fillRef idx="1">
-            <a:schemeClr val="lt1"/>
-          </a:fillRef>
-          <a:effectRef idx="0">
-            <a:schemeClr val="dk1"/>
-          </a:effectRef>
-          <a:fontRef idx="minor">
-            <a:schemeClr val="dk1"/>
-          </a:fontRef>
-        </p:style>
-        <p:txBody>
-          <a:bodyPr rtlCol="0" anchor="ctr"/>
-          <a:lstStyle/>
-          <a:p>
-            <a:pPr algn="ctr"/>
-            <a:r>
-              <a:rPr lang="it-IT" dirty="0"/>
-              <a:t>Elenco parametri</a:t>
-            </a:r>
-            <a:endParaRPr lang="en-US" dirty="0"/>
-          </a:p>
-        </p:txBody>
-      </p:sp>
-      <p:sp>
-        <p:nvSpPr>
-          <p:cNvPr id="9" name="Rettangolo 8">
-            <a:extLst>
-              <a:ext uri="{FF2B5EF4-FFF2-40B4-BE49-F238E27FC236}">
-                <a16:creationId xmlns:a16="http://schemas.microsoft.com/office/drawing/2014/main" id="{95AECDC6-C4E4-46D7-9B73-DE2B1EB7F103}"/>
-              </a:ext>
-            </a:extLst>
-          </p:cNvPr>
-          <p:cNvSpPr/>
-          <p:nvPr/>
-        </p:nvSpPr>
-        <p:spPr>
-          <a:xfrm>
-            <a:off x="9936480" y="4011168"/>
-            <a:ext cx="1871472" cy="341376"/>
-          </a:xfrm>
-          <a:prstGeom prst="rect">
-            <a:avLst/>
-          </a:prstGeom>
-        </p:spPr>
-        <p:style>
-          <a:lnRef idx="2">
-            <a:schemeClr val="accent1">
-              <a:shade val="50000"/>
-            </a:schemeClr>
-          </a:lnRef>
-          <a:fillRef idx="1">
-            <a:schemeClr val="accent1"/>
-          </a:fillRef>
-          <a:effectRef idx="0">
-            <a:schemeClr val="accent1"/>
-          </a:effectRef>
-          <a:fontRef idx="minor">
-            <a:schemeClr val="lt1"/>
-          </a:fontRef>
-        </p:style>
-        <p:txBody>
-          <a:bodyPr rtlCol="0" anchor="ctr"/>
-          <a:lstStyle/>
-          <a:p>
-            <a:pPr algn="ctr"/>
-            <a:r>
-              <a:rPr lang="it-IT" dirty="0" err="1"/>
-              <a:t>Run</a:t>
-            </a:r>
-            <a:endParaRPr lang="en-US" dirty="0"/>
-          </a:p>
-        </p:txBody>
-      </p:sp>
-      <p:sp>
-        <p:nvSpPr>
-          <p:cNvPr id="10" name="Rettangolo 9">
-            <a:extLst>
-              <a:ext uri="{FF2B5EF4-FFF2-40B4-BE49-F238E27FC236}">
-                <a16:creationId xmlns:a16="http://schemas.microsoft.com/office/drawing/2014/main" id="{CB7428BB-AFD9-4AE2-88EB-7C7693865BC3}"/>
-              </a:ext>
-            </a:extLst>
-          </p:cNvPr>
-          <p:cNvSpPr/>
-          <p:nvPr/>
-        </p:nvSpPr>
-        <p:spPr>
-          <a:xfrm>
-            <a:off x="9951934" y="4593336"/>
-            <a:ext cx="1856018" cy="341376"/>
-          </a:xfrm>
-          <a:prstGeom prst="rect">
-            <a:avLst/>
-          </a:prstGeom>
-        </p:spPr>
-        <p:style>
-          <a:lnRef idx="2">
-            <a:schemeClr val="accent1">
-              <a:shade val="50000"/>
-            </a:schemeClr>
-          </a:lnRef>
-          <a:fillRef idx="1">
-            <a:schemeClr val="accent1"/>
-          </a:fillRef>
-          <a:effectRef idx="0">
-            <a:schemeClr val="accent1"/>
-          </a:effectRef>
-          <a:fontRef idx="minor">
-            <a:schemeClr val="lt1"/>
-          </a:fontRef>
-        </p:style>
-        <p:txBody>
-          <a:bodyPr rtlCol="0" anchor="ctr"/>
-          <a:lstStyle/>
-          <a:p>
-            <a:pPr algn="ctr"/>
-            <a:r>
-              <a:rPr lang="it-IT" dirty="0"/>
-              <a:t>Show Panel</a:t>
-            </a:r>
-            <a:endParaRPr lang="en-US" dirty="0"/>
-          </a:p>
-        </p:txBody>
-      </p:sp>
-      <p:sp>
-        <p:nvSpPr>
-          <p:cNvPr id="12" name="Rettangolo 11">
-            <a:extLst>
-              <a:ext uri="{FF2B5EF4-FFF2-40B4-BE49-F238E27FC236}">
-                <a16:creationId xmlns:a16="http://schemas.microsoft.com/office/drawing/2014/main" id="{9C422894-D9F4-41B8-A6F5-94BF7258FFA8}"/>
-              </a:ext>
-            </a:extLst>
-          </p:cNvPr>
-          <p:cNvSpPr/>
-          <p:nvPr/>
-        </p:nvSpPr>
-        <p:spPr>
-          <a:xfrm>
-            <a:off x="9942576" y="5151120"/>
-            <a:ext cx="1871472" cy="341376"/>
-          </a:xfrm>
-          <a:prstGeom prst="rect">
-            <a:avLst/>
-          </a:prstGeom>
-        </p:spPr>
-        <p:style>
-          <a:lnRef idx="2">
-            <a:schemeClr val="accent1">
-              <a:shade val="50000"/>
-            </a:schemeClr>
-          </a:lnRef>
-          <a:fillRef idx="1">
-            <a:schemeClr val="accent1"/>
-          </a:fillRef>
-          <a:effectRef idx="0">
-            <a:schemeClr val="accent1"/>
-          </a:effectRef>
-          <a:fontRef idx="minor">
-            <a:schemeClr val="lt1"/>
-          </a:fontRef>
-        </p:style>
-        <p:txBody>
-          <a:bodyPr rtlCol="0" anchor="ctr"/>
-          <a:lstStyle/>
-          <a:p>
-            <a:pPr algn="ctr"/>
-            <a:r>
-              <a:rPr lang="it-IT" dirty="0"/>
-              <a:t>Show Stat</a:t>
-            </a:r>
-            <a:endParaRPr lang="en-US" dirty="0"/>
-          </a:p>
-        </p:txBody>
-      </p:sp>
-      <p:sp>
-        <p:nvSpPr>
-          <p:cNvPr id="13" name="Rettangolo 12">
-            <a:extLst>
-              <a:ext uri="{FF2B5EF4-FFF2-40B4-BE49-F238E27FC236}">
-                <a16:creationId xmlns:a16="http://schemas.microsoft.com/office/drawing/2014/main" id="{A7D3E7A2-EE58-425C-A0FA-FF8AE7BE0808}"/>
-              </a:ext>
-            </a:extLst>
-          </p:cNvPr>
-          <p:cNvSpPr/>
-          <p:nvPr/>
-        </p:nvSpPr>
-        <p:spPr>
-          <a:xfrm>
-            <a:off x="9958030" y="5733288"/>
-            <a:ext cx="1856018" cy="341376"/>
-          </a:xfrm>
-          <a:prstGeom prst="rect">
-            <a:avLst/>
-          </a:prstGeom>
-        </p:spPr>
-        <p:style>
-          <a:lnRef idx="2">
-            <a:schemeClr val="accent1">
-              <a:shade val="50000"/>
-            </a:schemeClr>
-          </a:lnRef>
-          <a:fillRef idx="1">
-            <a:schemeClr val="accent1"/>
-          </a:fillRef>
-          <a:effectRef idx="0">
-            <a:schemeClr val="accent1"/>
-          </a:effectRef>
-          <a:fontRef idx="minor">
-            <a:schemeClr val="lt1"/>
-          </a:fontRef>
-        </p:style>
-        <p:txBody>
-          <a:bodyPr rtlCol="0" anchor="ctr"/>
-          <a:lstStyle/>
-          <a:p>
-            <a:pPr algn="ctr"/>
-            <a:r>
-              <a:rPr lang="it-IT" dirty="0"/>
-              <a:t>Open </a:t>
-            </a:r>
-            <a:r>
-              <a:rPr lang="it-IT" dirty="0" err="1"/>
-              <a:t>GnuPlot</a:t>
-            </a:r>
-            <a:endParaRPr lang="en-US" dirty="0"/>
-          </a:p>
-        </p:txBody>
-      </p:sp>
-      <p:sp>
-        <p:nvSpPr>
-          <p:cNvPr id="11" name="Freccia a sinistra 10">
-            <a:extLst>
-              <a:ext uri="{FF2B5EF4-FFF2-40B4-BE49-F238E27FC236}">
-                <a16:creationId xmlns:a16="http://schemas.microsoft.com/office/drawing/2014/main" id="{03684A67-2714-4644-800C-F0B0F3DC4B30}"/>
-              </a:ext>
-            </a:extLst>
-          </p:cNvPr>
-          <p:cNvSpPr/>
-          <p:nvPr/>
-        </p:nvSpPr>
-        <p:spPr>
-          <a:xfrm>
-            <a:off x="9375648" y="4663440"/>
-            <a:ext cx="560832" cy="246888"/>
-          </a:xfrm>
-          <a:prstGeom prst="leftArrow">
-            <a:avLst/>
-          </a:prstGeom>
-          <a:solidFill>
-            <a:srgbClr val="FF0000"/>
-          </a:solidFill>
-        </p:spPr>
-        <p:style>
-          <a:lnRef idx="2">
-            <a:schemeClr val="accent1">
-              <a:shade val="50000"/>
-            </a:schemeClr>
-          </a:lnRef>
-          <a:fillRef idx="1">
-            <a:schemeClr val="accent1"/>
-          </a:fillRef>
-          <a:effectRef idx="0">
-            <a:schemeClr val="accent1"/>
-          </a:effectRef>
-          <a:fontRef idx="minor">
-            <a:schemeClr val="lt1"/>
-          </a:fontRef>
-        </p:style>
-        <p:txBody>
-          <a:bodyPr rtlCol="0" anchor="ctr"/>
-          <a:lstStyle/>
-          <a:p>
-            <a:pPr algn="ctr"/>
-            <a:endParaRPr lang="en-US"/>
-          </a:p>
-        </p:txBody>
-      </p:sp>
     </p:spTree>
     <p:extLst>
       <p:ext uri="{BB962C8B-B14F-4D97-AF65-F5344CB8AC3E}">
-        <p14:creationId xmlns:p14="http://schemas.microsoft.com/office/powerpoint/2010/main" val="4211964261"/>
+        <p14:creationId xmlns:p14="http://schemas.microsoft.com/office/powerpoint/2010/main" val="1829629605"/>
       </p:ext>
     </p:extLst>
   </p:cSld>
@@ -4027,8 +3960,8 @@
           </a:prstGeom>
           <a:solidFill>
             <a:schemeClr val="tx1">
-              <a:lumMod val="50000"/>
-              <a:lumOff val="50000"/>
+              <a:lumMod val="65000"/>
+              <a:lumOff val="35000"/>
             </a:schemeClr>
           </a:solidFill>
         </p:spPr>
@@ -4059,10 +3992,10 @@
       </p:sp>
       <p:sp>
         <p:nvSpPr>
-          <p:cNvPr id="8" name="Rettangolo 7">
-            <a:extLst>
-              <a:ext uri="{FF2B5EF4-FFF2-40B4-BE49-F238E27FC236}">
-                <a16:creationId xmlns:a16="http://schemas.microsoft.com/office/drawing/2014/main" id="{8887ADDF-163B-4DC4-8F2C-FDD4E4E6266B}"/>
+          <p:cNvPr id="7" name="Triangolo isoscele 6">
+            <a:extLst>
+              <a:ext uri="{FF2B5EF4-FFF2-40B4-BE49-F238E27FC236}">
+                <a16:creationId xmlns:a16="http://schemas.microsoft.com/office/drawing/2014/main" id="{DA1463BA-F3F8-44D3-B8F4-00994B14E203}"/>
               </a:ext>
             </a:extLst>
           </p:cNvPr>
@@ -4071,58 +4004,10 @@
         </p:nvSpPr>
         <p:spPr>
           <a:xfrm>
-            <a:off x="9790176" y="433437"/>
-            <a:ext cx="2097024" cy="5875923"/>
-          </a:xfrm>
-          <a:prstGeom prst="rect">
-            <a:avLst/>
-          </a:prstGeom>
-        </p:spPr>
-        <p:style>
-          <a:lnRef idx="2">
-            <a:schemeClr val="dk1"/>
-          </a:lnRef>
-          <a:fillRef idx="1">
-            <a:schemeClr val="lt1"/>
-          </a:fillRef>
-          <a:effectRef idx="0">
-            <a:schemeClr val="dk1"/>
-          </a:effectRef>
-          <a:fontRef idx="minor">
-            <a:schemeClr val="dk1"/>
-          </a:fontRef>
-        </p:style>
-        <p:txBody>
-          <a:bodyPr rtlCol="0" anchor="ctr"/>
-          <a:lstStyle/>
-          <a:p>
-            <a:pPr algn="ctr"/>
-            <a:r>
-              <a:rPr lang="it-IT" dirty="0"/>
-              <a:t>Elenco parametri</a:t>
-            </a:r>
-            <a:endParaRPr lang="en-US" dirty="0"/>
-          </a:p>
-        </p:txBody>
-      </p:sp>
-      <p:sp>
-        <p:nvSpPr>
-          <p:cNvPr id="9" name="Rettangolo 8">
-            <a:extLst>
-              <a:ext uri="{FF2B5EF4-FFF2-40B4-BE49-F238E27FC236}">
-                <a16:creationId xmlns:a16="http://schemas.microsoft.com/office/drawing/2014/main" id="{95AECDC6-C4E4-46D7-9B73-DE2B1EB7F103}"/>
-              </a:ext>
-            </a:extLst>
-          </p:cNvPr>
-          <p:cNvSpPr/>
-          <p:nvPr/>
-        </p:nvSpPr>
-        <p:spPr>
-          <a:xfrm>
-            <a:off x="9936480" y="4011168"/>
-            <a:ext cx="1871472" cy="341376"/>
-          </a:xfrm>
-          <a:prstGeom prst="rect">
+            <a:off x="4004140" y="3294888"/>
+            <a:ext cx="1749552" cy="2145792"/>
+          </a:xfrm>
+          <a:prstGeom prst="triangle">
             <a:avLst/>
           </a:prstGeom>
         </p:spPr>
@@ -4148,19 +4033,66 @@
           <a:p>
             <a:pPr algn="ctr"/>
             <a:r>
-              <a:rPr lang="it-IT" dirty="0" err="1"/>
-              <a:t>Run</a:t>
+              <a:rPr lang="it-IT" dirty="0"/>
+              <a:t>Pannello 3D</a:t>
             </a:r>
             <a:endParaRPr lang="en-US" dirty="0"/>
           </a:p>
         </p:txBody>
       </p:sp>
-      <p:sp>
-        <p:nvSpPr>
-          <p:cNvPr id="10" name="Rettangolo 9">
-            <a:extLst>
-              <a:ext uri="{FF2B5EF4-FFF2-40B4-BE49-F238E27FC236}">
-                <a16:creationId xmlns:a16="http://schemas.microsoft.com/office/drawing/2014/main" id="{CB7428BB-AFD9-4AE2-88EB-7C7693865BC3}"/>
+      <p:pic>
+        <p:nvPicPr>
+          <p:cNvPr id="1026" name="Picture 2" descr="Image result for sole teletubbies">
+            <a:extLst>
+              <a:ext uri="{FF2B5EF4-FFF2-40B4-BE49-F238E27FC236}">
+                <a16:creationId xmlns:a16="http://schemas.microsoft.com/office/drawing/2014/main" id="{646C1E59-55A6-4647-B66E-99472C686E2A}"/>
+              </a:ext>
+            </a:extLst>
+          </p:cNvPr>
+          <p:cNvPicPr>
+            <a:picLocks noChangeAspect="1" noChangeArrowheads="1"/>
+          </p:cNvPicPr>
+          <p:nvPr/>
+        </p:nvPicPr>
+        <p:blipFill>
+          <a:blip r:embed="rId2">
+            <a:extLst>
+              <a:ext uri="{28A0092B-C50C-407E-A947-70E740481C1C}">
+                <a14:useLocalDpi xmlns:a14="http://schemas.microsoft.com/office/drawing/2010/main" val="0"/>
+              </a:ext>
+            </a:extLst>
+          </a:blip>
+          <a:srcRect/>
+          <a:stretch>
+            <a:fillRect/>
+          </a:stretch>
+        </p:blipFill>
+        <p:spPr bwMode="auto">
+          <a:xfrm>
+            <a:off x="1949007" y="1500759"/>
+            <a:ext cx="1946338" cy="1450727"/>
+          </a:xfrm>
+          <a:prstGeom prst="rect">
+            <a:avLst/>
+          </a:prstGeom>
+          <a:noFill/>
+          <a:extLst>
+            <a:ext uri="{909E8E84-426E-40DD-AFC4-6F175D3DCCD1}">
+              <a14:hiddenFill xmlns:a14="http://schemas.microsoft.com/office/drawing/2010/main">
+                <a:solidFill>
+                  <a:srgbClr val="FFFFFF"/>
+                </a:solidFill>
+              </a14:hiddenFill>
+            </a:ext>
+          </a:extLst>
+        </p:spPr>
+      </p:pic>
+      <p:sp>
+        <p:nvSpPr>
+          <p:cNvPr id="8" name="Rettangolo 7">
+            <a:extLst>
+              <a:ext uri="{FF2B5EF4-FFF2-40B4-BE49-F238E27FC236}">
+                <a16:creationId xmlns:a16="http://schemas.microsoft.com/office/drawing/2014/main" id="{8887ADDF-163B-4DC4-8F2C-FDD4E4E6266B}"/>
               </a:ext>
             </a:extLst>
           </p:cNvPr>
@@ -4169,8 +4101,56 @@
         </p:nvSpPr>
         <p:spPr>
           <a:xfrm>
-            <a:off x="9951934" y="4593336"/>
-            <a:ext cx="1856018" cy="341376"/>
+            <a:off x="9790176" y="433437"/>
+            <a:ext cx="2097024" cy="5875923"/>
+          </a:xfrm>
+          <a:prstGeom prst="rect">
+            <a:avLst/>
+          </a:prstGeom>
+        </p:spPr>
+        <p:style>
+          <a:lnRef idx="2">
+            <a:schemeClr val="dk1"/>
+          </a:lnRef>
+          <a:fillRef idx="1">
+            <a:schemeClr val="lt1"/>
+          </a:fillRef>
+          <a:effectRef idx="0">
+            <a:schemeClr val="dk1"/>
+          </a:effectRef>
+          <a:fontRef idx="minor">
+            <a:schemeClr val="dk1"/>
+          </a:fontRef>
+        </p:style>
+        <p:txBody>
+          <a:bodyPr rtlCol="0" anchor="ctr"/>
+          <a:lstStyle/>
+          <a:p>
+            <a:pPr algn="ctr"/>
+            <a:r>
+              <a:rPr lang="it-IT" dirty="0"/>
+              <a:t>Elenco parametri</a:t>
+            </a:r>
+            <a:endParaRPr lang="en-US" dirty="0"/>
+          </a:p>
+        </p:txBody>
+      </p:sp>
+      <p:sp>
+        <p:nvSpPr>
+          <p:cNvPr id="9" name="Rettangolo 8">
+            <a:extLst>
+              <a:ext uri="{FF2B5EF4-FFF2-40B4-BE49-F238E27FC236}">
+                <a16:creationId xmlns:a16="http://schemas.microsoft.com/office/drawing/2014/main" id="{95AECDC6-C4E4-46D7-9B73-DE2B1EB7F103}"/>
+              </a:ext>
+            </a:extLst>
+          </p:cNvPr>
+          <p:cNvSpPr/>
+          <p:nvPr/>
+        </p:nvSpPr>
+        <p:spPr>
+          <a:xfrm>
+            <a:off x="9936480" y="4011168"/>
+            <a:ext cx="1871472" cy="341376"/>
           </a:xfrm>
           <a:prstGeom prst="rect">
             <a:avLst/>
@@ -4198,8 +4178,8 @@
           <a:p>
             <a:pPr algn="ctr"/>
             <a:r>
-              <a:rPr lang="it-IT" dirty="0"/>
-              <a:t>Show Panel</a:t>
+              <a:rPr lang="it-IT" dirty="0" err="1"/>
+              <a:t>Run</a:t>
             </a:r>
             <a:endParaRPr lang="en-US" dirty="0"/>
           </a:p>
@@ -4207,10 +4187,10 @@
       </p:sp>
       <p:sp>
         <p:nvSpPr>
-          <p:cNvPr id="12" name="Rettangolo 11">
-            <a:extLst>
-              <a:ext uri="{FF2B5EF4-FFF2-40B4-BE49-F238E27FC236}">
-                <a16:creationId xmlns:a16="http://schemas.microsoft.com/office/drawing/2014/main" id="{9C422894-D9F4-41B8-A6F5-94BF7258FFA8}"/>
+          <p:cNvPr id="10" name="Rettangolo 9">
+            <a:extLst>
+              <a:ext uri="{FF2B5EF4-FFF2-40B4-BE49-F238E27FC236}">
+                <a16:creationId xmlns:a16="http://schemas.microsoft.com/office/drawing/2014/main" id="{CB7428BB-AFD9-4AE2-88EB-7C7693865BC3}"/>
               </a:ext>
             </a:extLst>
           </p:cNvPr>
@@ -4219,8 +4199,8 @@
         </p:nvSpPr>
         <p:spPr>
           <a:xfrm>
-            <a:off x="9942576" y="5151120"/>
-            <a:ext cx="1871472" cy="341376"/>
+            <a:off x="9951934" y="4593336"/>
+            <a:ext cx="1856018" cy="341376"/>
           </a:xfrm>
           <a:prstGeom prst="rect">
             <a:avLst/>
@@ -4249,7 +4229,7 @@
             <a:pPr algn="ctr"/>
             <a:r>
               <a:rPr lang="it-IT" dirty="0"/>
-              <a:t>Show Stat</a:t>
+              <a:t>Show Panel</a:t>
             </a:r>
             <a:endParaRPr lang="en-US" dirty="0"/>
           </a:p>
@@ -4257,10 +4237,10 @@
       </p:sp>
       <p:sp>
         <p:nvSpPr>
-          <p:cNvPr id="13" name="Rettangolo 12">
-            <a:extLst>
-              <a:ext uri="{FF2B5EF4-FFF2-40B4-BE49-F238E27FC236}">
-                <a16:creationId xmlns:a16="http://schemas.microsoft.com/office/drawing/2014/main" id="{A7D3E7A2-EE58-425C-A0FA-FF8AE7BE0808}"/>
+          <p:cNvPr id="12" name="Rettangolo 11">
+            <a:extLst>
+              <a:ext uri="{FF2B5EF4-FFF2-40B4-BE49-F238E27FC236}">
+                <a16:creationId xmlns:a16="http://schemas.microsoft.com/office/drawing/2014/main" id="{9C422894-D9F4-41B8-A6F5-94BF7258FFA8}"/>
               </a:ext>
             </a:extLst>
           </p:cNvPr>
@@ -4269,8 +4249,8 @@
         </p:nvSpPr>
         <p:spPr>
           <a:xfrm>
-            <a:off x="9958030" y="5733288"/>
-            <a:ext cx="1856018" cy="341376"/>
+            <a:off x="9942576" y="5151120"/>
+            <a:ext cx="1871472" cy="341376"/>
           </a:xfrm>
           <a:prstGeom prst="rect">
             <a:avLst/>
@@ -4299,69 +4279,32 @@
             <a:pPr algn="ctr"/>
             <a:r>
               <a:rPr lang="it-IT" dirty="0"/>
-              <a:t>Open </a:t>
-            </a:r>
-            <a:r>
-              <a:rPr lang="it-IT" dirty="0" err="1"/>
-              <a:t>GnuPlot</a:t>
+              <a:t>Show Stat</a:t>
             </a:r>
             <a:endParaRPr lang="en-US" dirty="0"/>
           </a:p>
         </p:txBody>
       </p:sp>
-      <p:pic>
-        <p:nvPicPr>
-          <p:cNvPr id="2" name="Immagine 1">
-            <a:extLst>
-              <a:ext uri="{FF2B5EF4-FFF2-40B4-BE49-F238E27FC236}">
-                <a16:creationId xmlns:a16="http://schemas.microsoft.com/office/drawing/2014/main" id="{EDB16A7B-C42D-48CE-AD50-A5260F126C67}"/>
-              </a:ext>
-            </a:extLst>
-          </p:cNvPr>
-          <p:cNvPicPr>
-            <a:picLocks noChangeAspect="1"/>
-          </p:cNvPicPr>
+      <p:sp>
+        <p:nvSpPr>
+          <p:cNvPr id="13" name="Rettangolo 12">
+            <a:extLst>
+              <a:ext uri="{FF2B5EF4-FFF2-40B4-BE49-F238E27FC236}">
+                <a16:creationId xmlns:a16="http://schemas.microsoft.com/office/drawing/2014/main" id="{A7D3E7A2-EE58-425C-A0FA-FF8AE7BE0808}"/>
+              </a:ext>
+            </a:extLst>
+          </p:cNvPr>
+          <p:cNvSpPr/>
           <p:nvPr/>
-        </p:nvPicPr>
-        <p:blipFill>
-          <a:blip r:embed="rId2"/>
-          <a:stretch>
-            <a:fillRect/>
-          </a:stretch>
-        </p:blipFill>
-        <p:spPr>
-          <a:xfrm>
-            <a:off x="1018032" y="1252728"/>
-            <a:ext cx="8260080" cy="4986528"/>
+        </p:nvSpPr>
+        <p:spPr>
+          <a:xfrm>
+            <a:off x="9958030" y="5733288"/>
+            <a:ext cx="1856018" cy="341376"/>
           </a:xfrm>
           <a:prstGeom prst="rect">
             <a:avLst/>
           </a:prstGeom>
-        </p:spPr>
-      </p:pic>
-      <p:sp>
-        <p:nvSpPr>
-          <p:cNvPr id="3" name="Freccia a sinistra 2">
-            <a:extLst>
-              <a:ext uri="{FF2B5EF4-FFF2-40B4-BE49-F238E27FC236}">
-                <a16:creationId xmlns:a16="http://schemas.microsoft.com/office/drawing/2014/main" id="{01B100E8-61C4-4734-8CEA-E6310A30F5E8}"/>
-              </a:ext>
-            </a:extLst>
-          </p:cNvPr>
-          <p:cNvSpPr/>
-          <p:nvPr/>
-        </p:nvSpPr>
-        <p:spPr>
-          <a:xfrm>
-            <a:off x="9430512" y="5151120"/>
-            <a:ext cx="420624" cy="341376"/>
-          </a:xfrm>
-          <a:prstGeom prst="leftArrow">
-            <a:avLst/>
-          </a:prstGeom>
-          <a:solidFill>
-            <a:srgbClr val="FF0000"/>
-          </a:solidFill>
         </p:spPr>
         <p:style>
           <a:lnRef idx="2">
@@ -4384,7 +4327,845 @@
           <a:lstStyle/>
           <a:p>
             <a:pPr algn="ctr"/>
-            <a:endParaRPr lang="en-US"/>
+            <a:r>
+              <a:rPr lang="it-IT" dirty="0"/>
+              <a:t>Open </a:t>
+            </a:r>
+            <a:r>
+              <a:rPr lang="it-IT" dirty="0" err="1"/>
+              <a:t>GnuPlot</a:t>
+            </a:r>
+            <a:endParaRPr lang="en-US" dirty="0"/>
+          </a:p>
+        </p:txBody>
+      </p:sp>
+      <p:sp>
+        <p:nvSpPr>
+          <p:cNvPr id="11" name="Freccia a sinistra 10">
+            <a:extLst>
+              <a:ext uri="{FF2B5EF4-FFF2-40B4-BE49-F238E27FC236}">
+                <a16:creationId xmlns:a16="http://schemas.microsoft.com/office/drawing/2014/main" id="{03684A67-2714-4644-800C-F0B0F3DC4B30}"/>
+              </a:ext>
+            </a:extLst>
+          </p:cNvPr>
+          <p:cNvSpPr/>
+          <p:nvPr/>
+        </p:nvSpPr>
+        <p:spPr>
+          <a:xfrm>
+            <a:off x="9375648" y="4663440"/>
+            <a:ext cx="560832" cy="246888"/>
+          </a:xfrm>
+          <a:prstGeom prst="leftArrow">
+            <a:avLst/>
+          </a:prstGeom>
+          <a:solidFill>
+            <a:srgbClr val="FF0000"/>
+          </a:solidFill>
+        </p:spPr>
+        <p:style>
+          <a:lnRef idx="2">
+            <a:schemeClr val="accent1">
+              <a:shade val="50000"/>
+            </a:schemeClr>
+          </a:lnRef>
+          <a:fillRef idx="1">
+            <a:schemeClr val="accent1"/>
+          </a:fillRef>
+          <a:effectRef idx="0">
+            <a:schemeClr val="accent1"/>
+          </a:effectRef>
+          <a:fontRef idx="minor">
+            <a:schemeClr val="lt1"/>
+          </a:fontRef>
+        </p:style>
+        <p:txBody>
+          <a:bodyPr rtlCol="0" anchor="ctr"/>
+          <a:lstStyle/>
+          <a:p>
+            <a:pPr algn="ctr"/>
+            <a:endParaRPr lang="en-US"/>
+          </a:p>
+        </p:txBody>
+      </p:sp>
+    </p:spTree>
+    <p:extLst>
+      <p:ext uri="{BB962C8B-B14F-4D97-AF65-F5344CB8AC3E}">
+        <p14:creationId xmlns:p14="http://schemas.microsoft.com/office/powerpoint/2010/main" val="4211964261"/>
+      </p:ext>
+    </p:extLst>
+  </p:cSld>
+  <p:clrMapOvr>
+    <a:masterClrMapping/>
+  </p:clrMapOvr>
+</p:sld>
+</file>
+
+<file path=ppt/slides/slide3.xml><?xml version="1.0" encoding="utf-8"?>
+<p:sld xmlns:a="http://schemas.openxmlformats.org/drawingml/2006/main" xmlns:r="http://schemas.openxmlformats.org/officeDocument/2006/relationships" xmlns:p="http://schemas.openxmlformats.org/presentationml/2006/main">
+  <p:cSld>
+    <p:spTree>
+      <p:nvGrpSpPr>
+        <p:cNvPr id="1" name=""/>
+        <p:cNvGrpSpPr/>
+        <p:nvPr/>
+      </p:nvGrpSpPr>
+      <p:grpSpPr>
+        <a:xfrm>
+          <a:off x="0" y="0"/>
+          <a:ext cx="0" cy="0"/>
+          <a:chOff x="0" y="0"/>
+          <a:chExt cx="0" cy="0"/>
+        </a:xfrm>
+      </p:grpSpPr>
+      <p:sp>
+        <p:nvSpPr>
+          <p:cNvPr id="4" name="CasellaDiTesto 3">
+            <a:extLst>
+              <a:ext uri="{FF2B5EF4-FFF2-40B4-BE49-F238E27FC236}">
+                <a16:creationId xmlns:a16="http://schemas.microsoft.com/office/drawing/2014/main" id="{500D6FFC-D919-451F-804B-DDBDD416BFF6}"/>
+              </a:ext>
+            </a:extLst>
+          </p:cNvPr>
+          <p:cNvSpPr txBox="1"/>
+          <p:nvPr/>
+        </p:nvSpPr>
+        <p:spPr>
+          <a:xfrm>
+            <a:off x="931873" y="378573"/>
+            <a:ext cx="6144535" cy="369332"/>
+          </a:xfrm>
+          <a:prstGeom prst="rect">
+            <a:avLst/>
+          </a:prstGeom>
+          <a:noFill/>
+          <a:ln w="6350">
+            <a:solidFill>
+              <a:schemeClr val="tx1"/>
+            </a:solidFill>
+          </a:ln>
+        </p:spPr>
+        <p:txBody>
+          <a:bodyPr wrap="square" rtlCol="0">
+            <a:spAutoFit/>
+          </a:bodyPr>
+          <a:lstStyle/>
+          <a:p>
+            <a:r>
+              <a:rPr lang="it-IT" dirty="0"/>
+              <a:t>C:\directory-genoveffa\pannello.csv</a:t>
+            </a:r>
+            <a:endParaRPr lang="en-US" dirty="0"/>
+          </a:p>
+        </p:txBody>
+      </p:sp>
+      <p:sp>
+        <p:nvSpPr>
+          <p:cNvPr id="5" name="Rettangolo 4">
+            <a:extLst>
+              <a:ext uri="{FF2B5EF4-FFF2-40B4-BE49-F238E27FC236}">
+                <a16:creationId xmlns:a16="http://schemas.microsoft.com/office/drawing/2014/main" id="{3F7B3706-7B88-471A-8B49-D7724D114EEE}"/>
+              </a:ext>
+            </a:extLst>
+          </p:cNvPr>
+          <p:cNvSpPr/>
+          <p:nvPr/>
+        </p:nvSpPr>
+        <p:spPr>
+          <a:xfrm>
+            <a:off x="7309376" y="337804"/>
+            <a:ext cx="1904514" cy="410101"/>
+          </a:xfrm>
+          <a:prstGeom prst="rect">
+            <a:avLst/>
+          </a:prstGeom>
+        </p:spPr>
+        <p:style>
+          <a:lnRef idx="2">
+            <a:schemeClr val="accent1">
+              <a:shade val="50000"/>
+            </a:schemeClr>
+          </a:lnRef>
+          <a:fillRef idx="1">
+            <a:schemeClr val="accent1"/>
+          </a:fillRef>
+          <a:effectRef idx="0">
+            <a:schemeClr val="accent1"/>
+          </a:effectRef>
+          <a:fontRef idx="minor">
+            <a:schemeClr val="lt1"/>
+          </a:fontRef>
+        </p:style>
+        <p:txBody>
+          <a:bodyPr rtlCol="0" anchor="ctr"/>
+          <a:lstStyle/>
+          <a:p>
+            <a:pPr algn="ctr"/>
+            <a:r>
+              <a:rPr lang="it-IT" dirty="0"/>
+              <a:t>Carica</a:t>
+            </a:r>
+            <a:endParaRPr lang="en-US" dirty="0"/>
+          </a:p>
+        </p:txBody>
+      </p:sp>
+      <p:sp>
+        <p:nvSpPr>
+          <p:cNvPr id="6" name="Rettangolo 5">
+            <a:extLst>
+              <a:ext uri="{FF2B5EF4-FFF2-40B4-BE49-F238E27FC236}">
+                <a16:creationId xmlns:a16="http://schemas.microsoft.com/office/drawing/2014/main" id="{FE161866-B9DB-417C-BB27-F50B92C0FAF2}"/>
+              </a:ext>
+            </a:extLst>
+          </p:cNvPr>
+          <p:cNvSpPr/>
+          <p:nvPr/>
+        </p:nvSpPr>
+        <p:spPr>
+          <a:xfrm>
+            <a:off x="865632" y="2017776"/>
+            <a:ext cx="8510016" cy="4291584"/>
+          </a:xfrm>
+          <a:prstGeom prst="rect">
+            <a:avLst/>
+          </a:prstGeom>
+          <a:solidFill>
+            <a:schemeClr val="tx1">
+              <a:lumMod val="50000"/>
+              <a:lumOff val="50000"/>
+            </a:schemeClr>
+          </a:solidFill>
+        </p:spPr>
+        <p:style>
+          <a:lnRef idx="2">
+            <a:schemeClr val="accent1">
+              <a:shade val="50000"/>
+            </a:schemeClr>
+          </a:lnRef>
+          <a:fillRef idx="1">
+            <a:schemeClr val="accent1"/>
+          </a:fillRef>
+          <a:effectRef idx="0">
+            <a:schemeClr val="accent1"/>
+          </a:effectRef>
+          <a:fontRef idx="minor">
+            <a:schemeClr val="lt1"/>
+          </a:fontRef>
+        </p:style>
+        <p:txBody>
+          <a:bodyPr rtlCol="0" anchor="ctr"/>
+          <a:lstStyle/>
+          <a:p>
+            <a:pPr algn="ctr"/>
+            <a:endParaRPr lang="en-US"/>
+          </a:p>
+        </p:txBody>
+      </p:sp>
+      <p:sp>
+        <p:nvSpPr>
+          <p:cNvPr id="8" name="Rettangolo 7">
+            <a:extLst>
+              <a:ext uri="{FF2B5EF4-FFF2-40B4-BE49-F238E27FC236}">
+                <a16:creationId xmlns:a16="http://schemas.microsoft.com/office/drawing/2014/main" id="{8887ADDF-163B-4DC4-8F2C-FDD4E4E6266B}"/>
+              </a:ext>
+            </a:extLst>
+          </p:cNvPr>
+          <p:cNvSpPr/>
+          <p:nvPr/>
+        </p:nvSpPr>
+        <p:spPr>
+          <a:xfrm>
+            <a:off x="9790176" y="433437"/>
+            <a:ext cx="2097024" cy="5875923"/>
+          </a:xfrm>
+          <a:prstGeom prst="rect">
+            <a:avLst/>
+          </a:prstGeom>
+        </p:spPr>
+        <p:style>
+          <a:lnRef idx="2">
+            <a:schemeClr val="dk1"/>
+          </a:lnRef>
+          <a:fillRef idx="1">
+            <a:schemeClr val="lt1"/>
+          </a:fillRef>
+          <a:effectRef idx="0">
+            <a:schemeClr val="dk1"/>
+          </a:effectRef>
+          <a:fontRef idx="minor">
+            <a:schemeClr val="dk1"/>
+          </a:fontRef>
+        </p:style>
+        <p:txBody>
+          <a:bodyPr rtlCol="0" anchor="ctr"/>
+          <a:lstStyle/>
+          <a:p>
+            <a:pPr algn="ctr"/>
+            <a:r>
+              <a:rPr lang="it-IT" dirty="0"/>
+              <a:t>Elenco parametri</a:t>
+            </a:r>
+            <a:endParaRPr lang="en-US" dirty="0"/>
+          </a:p>
+        </p:txBody>
+      </p:sp>
+      <p:sp>
+        <p:nvSpPr>
+          <p:cNvPr id="9" name="Rettangolo 8">
+            <a:extLst>
+              <a:ext uri="{FF2B5EF4-FFF2-40B4-BE49-F238E27FC236}">
+                <a16:creationId xmlns:a16="http://schemas.microsoft.com/office/drawing/2014/main" id="{95AECDC6-C4E4-46D7-9B73-DE2B1EB7F103}"/>
+              </a:ext>
+            </a:extLst>
+          </p:cNvPr>
+          <p:cNvSpPr/>
+          <p:nvPr/>
+        </p:nvSpPr>
+        <p:spPr>
+          <a:xfrm>
+            <a:off x="9936480" y="4011168"/>
+            <a:ext cx="1871472" cy="341376"/>
+          </a:xfrm>
+          <a:prstGeom prst="rect">
+            <a:avLst/>
+          </a:prstGeom>
+        </p:spPr>
+        <p:style>
+          <a:lnRef idx="2">
+            <a:schemeClr val="accent1">
+              <a:shade val="50000"/>
+            </a:schemeClr>
+          </a:lnRef>
+          <a:fillRef idx="1">
+            <a:schemeClr val="accent1"/>
+          </a:fillRef>
+          <a:effectRef idx="0">
+            <a:schemeClr val="accent1"/>
+          </a:effectRef>
+          <a:fontRef idx="minor">
+            <a:schemeClr val="lt1"/>
+          </a:fontRef>
+        </p:style>
+        <p:txBody>
+          <a:bodyPr rtlCol="0" anchor="ctr"/>
+          <a:lstStyle/>
+          <a:p>
+            <a:pPr algn="ctr"/>
+            <a:r>
+              <a:rPr lang="it-IT" dirty="0" err="1"/>
+              <a:t>Run</a:t>
+            </a:r>
+            <a:endParaRPr lang="en-US" dirty="0"/>
+          </a:p>
+        </p:txBody>
+      </p:sp>
+      <p:sp>
+        <p:nvSpPr>
+          <p:cNvPr id="10" name="Rettangolo 9">
+            <a:extLst>
+              <a:ext uri="{FF2B5EF4-FFF2-40B4-BE49-F238E27FC236}">
+                <a16:creationId xmlns:a16="http://schemas.microsoft.com/office/drawing/2014/main" id="{CB7428BB-AFD9-4AE2-88EB-7C7693865BC3}"/>
+              </a:ext>
+            </a:extLst>
+          </p:cNvPr>
+          <p:cNvSpPr/>
+          <p:nvPr/>
+        </p:nvSpPr>
+        <p:spPr>
+          <a:xfrm>
+            <a:off x="9951934" y="4593336"/>
+            <a:ext cx="1856018" cy="341376"/>
+          </a:xfrm>
+          <a:prstGeom prst="rect">
+            <a:avLst/>
+          </a:prstGeom>
+        </p:spPr>
+        <p:style>
+          <a:lnRef idx="2">
+            <a:schemeClr val="accent1">
+              <a:shade val="50000"/>
+            </a:schemeClr>
+          </a:lnRef>
+          <a:fillRef idx="1">
+            <a:schemeClr val="accent1"/>
+          </a:fillRef>
+          <a:effectRef idx="0">
+            <a:schemeClr val="accent1"/>
+          </a:effectRef>
+          <a:fontRef idx="minor">
+            <a:schemeClr val="lt1"/>
+          </a:fontRef>
+        </p:style>
+        <p:txBody>
+          <a:bodyPr rtlCol="0" anchor="ctr"/>
+          <a:lstStyle/>
+          <a:p>
+            <a:pPr algn="ctr"/>
+            <a:r>
+              <a:rPr lang="it-IT" dirty="0"/>
+              <a:t>Show Panel</a:t>
+            </a:r>
+            <a:endParaRPr lang="en-US" dirty="0"/>
+          </a:p>
+        </p:txBody>
+      </p:sp>
+      <p:sp>
+        <p:nvSpPr>
+          <p:cNvPr id="12" name="Rettangolo 11">
+            <a:extLst>
+              <a:ext uri="{FF2B5EF4-FFF2-40B4-BE49-F238E27FC236}">
+                <a16:creationId xmlns:a16="http://schemas.microsoft.com/office/drawing/2014/main" id="{9C422894-D9F4-41B8-A6F5-94BF7258FFA8}"/>
+              </a:ext>
+            </a:extLst>
+          </p:cNvPr>
+          <p:cNvSpPr/>
+          <p:nvPr/>
+        </p:nvSpPr>
+        <p:spPr>
+          <a:xfrm>
+            <a:off x="9942576" y="5151120"/>
+            <a:ext cx="1871472" cy="341376"/>
+          </a:xfrm>
+          <a:prstGeom prst="rect">
+            <a:avLst/>
+          </a:prstGeom>
+        </p:spPr>
+        <p:style>
+          <a:lnRef idx="2">
+            <a:schemeClr val="accent1">
+              <a:shade val="50000"/>
+            </a:schemeClr>
+          </a:lnRef>
+          <a:fillRef idx="1">
+            <a:schemeClr val="accent1"/>
+          </a:fillRef>
+          <a:effectRef idx="0">
+            <a:schemeClr val="accent1"/>
+          </a:effectRef>
+          <a:fontRef idx="minor">
+            <a:schemeClr val="lt1"/>
+          </a:fontRef>
+        </p:style>
+        <p:txBody>
+          <a:bodyPr rtlCol="0" anchor="ctr"/>
+          <a:lstStyle/>
+          <a:p>
+            <a:pPr algn="ctr"/>
+            <a:r>
+              <a:rPr lang="it-IT" dirty="0"/>
+              <a:t>Show Stat</a:t>
+            </a:r>
+            <a:endParaRPr lang="en-US" dirty="0"/>
+          </a:p>
+        </p:txBody>
+      </p:sp>
+      <p:sp>
+        <p:nvSpPr>
+          <p:cNvPr id="13" name="Rettangolo 12">
+            <a:extLst>
+              <a:ext uri="{FF2B5EF4-FFF2-40B4-BE49-F238E27FC236}">
+                <a16:creationId xmlns:a16="http://schemas.microsoft.com/office/drawing/2014/main" id="{A7D3E7A2-EE58-425C-A0FA-FF8AE7BE0808}"/>
+              </a:ext>
+            </a:extLst>
+          </p:cNvPr>
+          <p:cNvSpPr/>
+          <p:nvPr/>
+        </p:nvSpPr>
+        <p:spPr>
+          <a:xfrm>
+            <a:off x="9958030" y="5733288"/>
+            <a:ext cx="1856018" cy="341376"/>
+          </a:xfrm>
+          <a:prstGeom prst="rect">
+            <a:avLst/>
+          </a:prstGeom>
+        </p:spPr>
+        <p:style>
+          <a:lnRef idx="2">
+            <a:schemeClr val="accent1">
+              <a:shade val="50000"/>
+            </a:schemeClr>
+          </a:lnRef>
+          <a:fillRef idx="1">
+            <a:schemeClr val="accent1"/>
+          </a:fillRef>
+          <a:effectRef idx="0">
+            <a:schemeClr val="accent1"/>
+          </a:effectRef>
+          <a:fontRef idx="minor">
+            <a:schemeClr val="lt1"/>
+          </a:fontRef>
+        </p:style>
+        <p:txBody>
+          <a:bodyPr rtlCol="0" anchor="ctr"/>
+          <a:lstStyle/>
+          <a:p>
+            <a:pPr algn="ctr"/>
+            <a:r>
+              <a:rPr lang="it-IT" dirty="0"/>
+              <a:t>Open </a:t>
+            </a:r>
+            <a:r>
+              <a:rPr lang="it-IT" dirty="0" err="1"/>
+              <a:t>GnuPlot</a:t>
+            </a:r>
+            <a:endParaRPr lang="en-US" dirty="0"/>
+          </a:p>
+        </p:txBody>
+      </p:sp>
+      <p:pic>
+        <p:nvPicPr>
+          <p:cNvPr id="2" name="Immagine 1">
+            <a:extLst>
+              <a:ext uri="{FF2B5EF4-FFF2-40B4-BE49-F238E27FC236}">
+                <a16:creationId xmlns:a16="http://schemas.microsoft.com/office/drawing/2014/main" id="{EDB16A7B-C42D-48CE-AD50-A5260F126C67}"/>
+              </a:ext>
+            </a:extLst>
+          </p:cNvPr>
+          <p:cNvPicPr>
+            <a:picLocks noChangeAspect="1"/>
+          </p:cNvPicPr>
+          <p:nvPr/>
+        </p:nvPicPr>
+        <p:blipFill>
+          <a:blip r:embed="rId2"/>
+          <a:stretch>
+            <a:fillRect/>
+          </a:stretch>
+        </p:blipFill>
+        <p:spPr>
+          <a:xfrm>
+            <a:off x="1018032" y="2151888"/>
+            <a:ext cx="8260080" cy="4087368"/>
+          </a:xfrm>
+          <a:prstGeom prst="rect">
+            <a:avLst/>
+          </a:prstGeom>
+        </p:spPr>
+      </p:pic>
+      <p:sp>
+        <p:nvSpPr>
+          <p:cNvPr id="3" name="Freccia a sinistra 2">
+            <a:extLst>
+              <a:ext uri="{FF2B5EF4-FFF2-40B4-BE49-F238E27FC236}">
+                <a16:creationId xmlns:a16="http://schemas.microsoft.com/office/drawing/2014/main" id="{01B100E8-61C4-4734-8CEA-E6310A30F5E8}"/>
+              </a:ext>
+            </a:extLst>
+          </p:cNvPr>
+          <p:cNvSpPr/>
+          <p:nvPr/>
+        </p:nvSpPr>
+        <p:spPr>
+          <a:xfrm>
+            <a:off x="9430512" y="5151120"/>
+            <a:ext cx="420624" cy="341376"/>
+          </a:xfrm>
+          <a:prstGeom prst="leftArrow">
+            <a:avLst/>
+          </a:prstGeom>
+          <a:solidFill>
+            <a:srgbClr val="FF0000"/>
+          </a:solidFill>
+        </p:spPr>
+        <p:style>
+          <a:lnRef idx="2">
+            <a:schemeClr val="accent1">
+              <a:shade val="50000"/>
+            </a:schemeClr>
+          </a:lnRef>
+          <a:fillRef idx="1">
+            <a:schemeClr val="accent1"/>
+          </a:fillRef>
+          <a:effectRef idx="0">
+            <a:schemeClr val="accent1"/>
+          </a:effectRef>
+          <a:fontRef idx="minor">
+            <a:schemeClr val="lt1"/>
+          </a:fontRef>
+        </p:style>
+        <p:txBody>
+          <a:bodyPr rtlCol="0" anchor="ctr"/>
+          <a:lstStyle/>
+          <a:p>
+            <a:pPr algn="ctr"/>
+            <a:endParaRPr lang="en-US"/>
+          </a:p>
+        </p:txBody>
+      </p:sp>
+      <p:sp>
+        <p:nvSpPr>
+          <p:cNvPr id="7" name="Rectangle 6">
+            <a:extLst>
+              <a:ext uri="{FF2B5EF4-FFF2-40B4-BE49-F238E27FC236}">
+                <a16:creationId xmlns:a16="http://schemas.microsoft.com/office/drawing/2014/main" id="{B756D4E1-C2F2-4397-8E63-FE61DE812F07}"/>
+              </a:ext>
+            </a:extLst>
+          </p:cNvPr>
+          <p:cNvSpPr/>
+          <p:nvPr/>
+        </p:nvSpPr>
+        <p:spPr>
+          <a:xfrm>
+            <a:off x="931873" y="1255776"/>
+            <a:ext cx="244655" cy="268224"/>
+          </a:xfrm>
+          <a:prstGeom prst="rect">
+            <a:avLst/>
+          </a:prstGeom>
+          <a:ln w="28575">
+            <a:solidFill>
+              <a:schemeClr val="tx1"/>
+            </a:solidFill>
+          </a:ln>
+        </p:spPr>
+        <p:style>
+          <a:lnRef idx="2">
+            <a:schemeClr val="accent1">
+              <a:shade val="50000"/>
+            </a:schemeClr>
+          </a:lnRef>
+          <a:fillRef idx="1">
+            <a:schemeClr val="accent1"/>
+          </a:fillRef>
+          <a:effectRef idx="0">
+            <a:schemeClr val="accent1"/>
+          </a:effectRef>
+          <a:fontRef idx="minor">
+            <a:schemeClr val="lt1"/>
+          </a:fontRef>
+        </p:style>
+        <p:txBody>
+          <a:bodyPr rtlCol="0" anchor="ctr"/>
+          <a:lstStyle/>
+          <a:p>
+            <a:pPr algn="ctr"/>
+            <a:endParaRPr lang="en-US"/>
+          </a:p>
+        </p:txBody>
+      </p:sp>
+      <p:sp>
+        <p:nvSpPr>
+          <p:cNvPr id="11" name="TextBox 10">
+            <a:extLst>
+              <a:ext uri="{FF2B5EF4-FFF2-40B4-BE49-F238E27FC236}">
+                <a16:creationId xmlns:a16="http://schemas.microsoft.com/office/drawing/2014/main" id="{A44A8355-DE3E-4B90-929A-8633A0992C5F}"/>
+              </a:ext>
+            </a:extLst>
+          </p:cNvPr>
+          <p:cNvSpPr txBox="1"/>
+          <p:nvPr/>
+        </p:nvSpPr>
+        <p:spPr>
+          <a:xfrm>
+            <a:off x="1341120" y="1216890"/>
+            <a:ext cx="841248" cy="369332"/>
+          </a:xfrm>
+          <a:prstGeom prst="rect">
+            <a:avLst/>
+          </a:prstGeom>
+          <a:noFill/>
+        </p:spPr>
+        <p:txBody>
+          <a:bodyPr wrap="square" rtlCol="0">
+            <a:spAutoFit/>
+          </a:bodyPr>
+          <a:lstStyle/>
+          <a:p>
+            <a:r>
+              <a:rPr lang="it-IT" dirty="0" err="1"/>
+              <a:t>Year</a:t>
+            </a:r>
+            <a:endParaRPr lang="en-US" dirty="0"/>
+          </a:p>
+        </p:txBody>
+      </p:sp>
+      <p:sp>
+        <p:nvSpPr>
+          <p:cNvPr id="14" name="Rectangle 13">
+            <a:extLst>
+              <a:ext uri="{FF2B5EF4-FFF2-40B4-BE49-F238E27FC236}">
+                <a16:creationId xmlns:a16="http://schemas.microsoft.com/office/drawing/2014/main" id="{62640B0B-9643-4C2E-8D86-F500F288997F}"/>
+              </a:ext>
+            </a:extLst>
+          </p:cNvPr>
+          <p:cNvSpPr/>
+          <p:nvPr/>
+        </p:nvSpPr>
+        <p:spPr>
+          <a:xfrm>
+            <a:off x="2097024" y="1072896"/>
+            <a:ext cx="6967728" cy="652272"/>
+          </a:xfrm>
+          <a:prstGeom prst="rect">
+            <a:avLst/>
+          </a:prstGeom>
+          <a:gradFill flip="none" rotWithShape="1">
+            <a:gsLst>
+              <a:gs pos="0">
+                <a:schemeClr val="bg1">
+                  <a:lumMod val="85000"/>
+                  <a:shade val="30000"/>
+                  <a:satMod val="115000"/>
+                </a:schemeClr>
+              </a:gs>
+              <a:gs pos="50000">
+                <a:schemeClr val="bg1">
+                  <a:lumMod val="85000"/>
+                  <a:shade val="67500"/>
+                  <a:satMod val="115000"/>
+                </a:schemeClr>
+              </a:gs>
+              <a:gs pos="100000">
+                <a:schemeClr val="bg1">
+                  <a:lumMod val="85000"/>
+                  <a:shade val="100000"/>
+                  <a:satMod val="115000"/>
+                </a:schemeClr>
+              </a:gs>
+            </a:gsLst>
+            <a:lin ang="18900000" scaled="1"/>
+            <a:tileRect/>
+          </a:gradFill>
+        </p:spPr>
+        <p:style>
+          <a:lnRef idx="2">
+            <a:schemeClr val="accent1">
+              <a:shade val="50000"/>
+            </a:schemeClr>
+          </a:lnRef>
+          <a:fillRef idx="1">
+            <a:schemeClr val="accent1"/>
+          </a:fillRef>
+          <a:effectRef idx="0">
+            <a:schemeClr val="accent1"/>
+          </a:effectRef>
+          <a:fontRef idx="minor">
+            <a:schemeClr val="lt1"/>
+          </a:fontRef>
+        </p:style>
+        <p:txBody>
+          <a:bodyPr rtlCol="0" anchor="ctr"/>
+          <a:lstStyle/>
+          <a:p>
+            <a:pPr algn="ctr"/>
+            <a:endParaRPr lang="en-US"/>
+          </a:p>
+        </p:txBody>
+      </p:sp>
+      <p:sp>
+        <p:nvSpPr>
+          <p:cNvPr id="15" name="TextBox 14">
+            <a:extLst>
+              <a:ext uri="{FF2B5EF4-FFF2-40B4-BE49-F238E27FC236}">
+                <a16:creationId xmlns:a16="http://schemas.microsoft.com/office/drawing/2014/main" id="{CCE5C312-5E00-4A4A-ADBB-2CF3A3EB09FE}"/>
+              </a:ext>
+            </a:extLst>
+          </p:cNvPr>
+          <p:cNvSpPr txBox="1"/>
+          <p:nvPr/>
+        </p:nvSpPr>
+        <p:spPr>
+          <a:xfrm>
+            <a:off x="2346960" y="1241681"/>
+            <a:ext cx="920496" cy="369332"/>
+          </a:xfrm>
+          <a:prstGeom prst="rect">
+            <a:avLst/>
+          </a:prstGeom>
+          <a:noFill/>
+        </p:spPr>
+        <p:txBody>
+          <a:bodyPr wrap="square" rtlCol="0">
+            <a:spAutoFit/>
+          </a:bodyPr>
+          <a:lstStyle/>
+          <a:p>
+            <a:r>
+              <a:rPr lang="it-IT" dirty="0"/>
+              <a:t>Day</a:t>
+            </a:r>
+            <a:endParaRPr lang="en-US" dirty="0"/>
+          </a:p>
+        </p:txBody>
+      </p:sp>
+      <p:sp>
+        <p:nvSpPr>
+          <p:cNvPr id="16" name="TextBox 15">
+            <a:extLst>
+              <a:ext uri="{FF2B5EF4-FFF2-40B4-BE49-F238E27FC236}">
+                <a16:creationId xmlns:a16="http://schemas.microsoft.com/office/drawing/2014/main" id="{92DFA01A-0258-478B-8C59-812626D64ED7}"/>
+              </a:ext>
+            </a:extLst>
+          </p:cNvPr>
+          <p:cNvSpPr txBox="1"/>
+          <p:nvPr/>
+        </p:nvSpPr>
+        <p:spPr>
+          <a:xfrm>
+            <a:off x="2980944" y="1216890"/>
+            <a:ext cx="646176" cy="369332"/>
+          </a:xfrm>
+          <a:prstGeom prst="rect">
+            <a:avLst/>
+          </a:prstGeom>
+          <a:noFill/>
+          <a:ln w="19050">
+            <a:solidFill>
+              <a:schemeClr val="tx1">
+                <a:lumMod val="75000"/>
+                <a:lumOff val="25000"/>
+              </a:schemeClr>
+            </a:solidFill>
+          </a:ln>
+        </p:spPr>
+        <p:txBody>
+          <a:bodyPr wrap="square" rtlCol="0">
+            <a:spAutoFit/>
+          </a:bodyPr>
+          <a:lstStyle/>
+          <a:p>
+            <a:pPr algn="r"/>
+            <a:r>
+              <a:rPr lang="it-IT" dirty="0"/>
+              <a:t>24</a:t>
+            </a:r>
+            <a:endParaRPr lang="en-US" dirty="0"/>
+          </a:p>
+        </p:txBody>
+      </p:sp>
+      <p:sp>
+        <p:nvSpPr>
+          <p:cNvPr id="18" name="TextBox 17">
+            <a:extLst>
+              <a:ext uri="{FF2B5EF4-FFF2-40B4-BE49-F238E27FC236}">
+                <a16:creationId xmlns:a16="http://schemas.microsoft.com/office/drawing/2014/main" id="{2CCFD4E4-2F38-41AD-84EE-40512DF54167}"/>
+              </a:ext>
+            </a:extLst>
+          </p:cNvPr>
+          <p:cNvSpPr txBox="1"/>
+          <p:nvPr/>
+        </p:nvSpPr>
+        <p:spPr>
+          <a:xfrm>
+            <a:off x="3883152" y="1216890"/>
+            <a:ext cx="4681730" cy="369332"/>
+          </a:xfrm>
+          <a:prstGeom prst="rect">
+            <a:avLst/>
+          </a:prstGeom>
+          <a:noFill/>
+        </p:spPr>
+        <p:txBody>
+          <a:bodyPr wrap="square" rtlCol="0">
+            <a:spAutoFit/>
+          </a:bodyPr>
+          <a:lstStyle/>
+          <a:p>
+            <a:r>
+              <a:rPr lang="it-IT" dirty="0"/>
+              <a:t>&lt;- Slider per selezionare il giorno?</a:t>
+            </a:r>
+            <a:endParaRPr lang="en-US" dirty="0"/>
           </a:p>
         </p:txBody>
       </p:sp>
@@ -4392,6 +5173,801 @@
     <p:extLst>
       <p:ext uri="{BB962C8B-B14F-4D97-AF65-F5344CB8AC3E}">
         <p14:creationId xmlns:p14="http://schemas.microsoft.com/office/powerpoint/2010/main" val="2094710757"/>
+      </p:ext>
+    </p:extLst>
+  </p:cSld>
+  <p:clrMapOvr>
+    <a:masterClrMapping/>
+  </p:clrMapOvr>
+</p:sld>
+</file>
+
+<file path=ppt/slides/slide4.xml><?xml version="1.0" encoding="utf-8"?>
+<p:sld xmlns:a="http://schemas.openxmlformats.org/drawingml/2006/main" xmlns:r="http://schemas.openxmlformats.org/officeDocument/2006/relationships" xmlns:p="http://schemas.openxmlformats.org/presentationml/2006/main">
+  <p:cSld>
+    <p:spTree>
+      <p:nvGrpSpPr>
+        <p:cNvPr id="1" name=""/>
+        <p:cNvGrpSpPr/>
+        <p:nvPr/>
+      </p:nvGrpSpPr>
+      <p:grpSpPr>
+        <a:xfrm>
+          <a:off x="0" y="0"/>
+          <a:ext cx="0" cy="0"/>
+          <a:chOff x="0" y="0"/>
+          <a:chExt cx="0" cy="0"/>
+        </a:xfrm>
+      </p:grpSpPr>
+      <p:sp>
+        <p:nvSpPr>
+          <p:cNvPr id="4" name="CasellaDiTesto 3">
+            <a:extLst>
+              <a:ext uri="{FF2B5EF4-FFF2-40B4-BE49-F238E27FC236}">
+                <a16:creationId xmlns:a16="http://schemas.microsoft.com/office/drawing/2014/main" id="{500D6FFC-D919-451F-804B-DDBDD416BFF6}"/>
+              </a:ext>
+            </a:extLst>
+          </p:cNvPr>
+          <p:cNvSpPr txBox="1"/>
+          <p:nvPr/>
+        </p:nvSpPr>
+        <p:spPr>
+          <a:xfrm>
+            <a:off x="931873" y="378573"/>
+            <a:ext cx="6144535" cy="369332"/>
+          </a:xfrm>
+          <a:prstGeom prst="rect">
+            <a:avLst/>
+          </a:prstGeom>
+          <a:noFill/>
+          <a:ln w="6350">
+            <a:solidFill>
+              <a:schemeClr val="tx1"/>
+            </a:solidFill>
+          </a:ln>
+        </p:spPr>
+        <p:txBody>
+          <a:bodyPr wrap="square" rtlCol="0">
+            <a:spAutoFit/>
+          </a:bodyPr>
+          <a:lstStyle/>
+          <a:p>
+            <a:r>
+              <a:rPr lang="it-IT" dirty="0"/>
+              <a:t>C:\directory-genoveffa\pannello.csv</a:t>
+            </a:r>
+            <a:endParaRPr lang="en-US" dirty="0"/>
+          </a:p>
+        </p:txBody>
+      </p:sp>
+      <p:sp>
+        <p:nvSpPr>
+          <p:cNvPr id="5" name="Rettangolo 4">
+            <a:extLst>
+              <a:ext uri="{FF2B5EF4-FFF2-40B4-BE49-F238E27FC236}">
+                <a16:creationId xmlns:a16="http://schemas.microsoft.com/office/drawing/2014/main" id="{3F7B3706-7B88-471A-8B49-D7724D114EEE}"/>
+              </a:ext>
+            </a:extLst>
+          </p:cNvPr>
+          <p:cNvSpPr/>
+          <p:nvPr/>
+        </p:nvSpPr>
+        <p:spPr>
+          <a:xfrm>
+            <a:off x="7309376" y="337804"/>
+            <a:ext cx="1904514" cy="410101"/>
+          </a:xfrm>
+          <a:prstGeom prst="rect">
+            <a:avLst/>
+          </a:prstGeom>
+        </p:spPr>
+        <p:style>
+          <a:lnRef idx="2">
+            <a:schemeClr val="accent1">
+              <a:shade val="50000"/>
+            </a:schemeClr>
+          </a:lnRef>
+          <a:fillRef idx="1">
+            <a:schemeClr val="accent1"/>
+          </a:fillRef>
+          <a:effectRef idx="0">
+            <a:schemeClr val="accent1"/>
+          </a:effectRef>
+          <a:fontRef idx="minor">
+            <a:schemeClr val="lt1"/>
+          </a:fontRef>
+        </p:style>
+        <p:txBody>
+          <a:bodyPr rtlCol="0" anchor="ctr"/>
+          <a:lstStyle/>
+          <a:p>
+            <a:pPr algn="ctr"/>
+            <a:r>
+              <a:rPr lang="it-IT" dirty="0"/>
+              <a:t>Carica</a:t>
+            </a:r>
+            <a:endParaRPr lang="en-US" dirty="0"/>
+          </a:p>
+        </p:txBody>
+      </p:sp>
+      <p:sp>
+        <p:nvSpPr>
+          <p:cNvPr id="6" name="Rettangolo 5">
+            <a:extLst>
+              <a:ext uri="{FF2B5EF4-FFF2-40B4-BE49-F238E27FC236}">
+                <a16:creationId xmlns:a16="http://schemas.microsoft.com/office/drawing/2014/main" id="{FE161866-B9DB-417C-BB27-F50B92C0FAF2}"/>
+              </a:ext>
+            </a:extLst>
+          </p:cNvPr>
+          <p:cNvSpPr/>
+          <p:nvPr/>
+        </p:nvSpPr>
+        <p:spPr>
+          <a:xfrm>
+            <a:off x="865632" y="2017776"/>
+            <a:ext cx="8510016" cy="4291584"/>
+          </a:xfrm>
+          <a:prstGeom prst="rect">
+            <a:avLst/>
+          </a:prstGeom>
+          <a:solidFill>
+            <a:schemeClr val="tx1">
+              <a:lumMod val="50000"/>
+              <a:lumOff val="50000"/>
+            </a:schemeClr>
+          </a:solidFill>
+        </p:spPr>
+        <p:style>
+          <a:lnRef idx="2">
+            <a:schemeClr val="accent1">
+              <a:shade val="50000"/>
+            </a:schemeClr>
+          </a:lnRef>
+          <a:fillRef idx="1">
+            <a:schemeClr val="accent1"/>
+          </a:fillRef>
+          <a:effectRef idx="0">
+            <a:schemeClr val="accent1"/>
+          </a:effectRef>
+          <a:fontRef idx="minor">
+            <a:schemeClr val="lt1"/>
+          </a:fontRef>
+        </p:style>
+        <p:txBody>
+          <a:bodyPr rtlCol="0" anchor="ctr"/>
+          <a:lstStyle/>
+          <a:p>
+            <a:pPr algn="ctr"/>
+            <a:endParaRPr lang="en-US"/>
+          </a:p>
+        </p:txBody>
+      </p:sp>
+      <p:sp>
+        <p:nvSpPr>
+          <p:cNvPr id="8" name="Rettangolo 7">
+            <a:extLst>
+              <a:ext uri="{FF2B5EF4-FFF2-40B4-BE49-F238E27FC236}">
+                <a16:creationId xmlns:a16="http://schemas.microsoft.com/office/drawing/2014/main" id="{8887ADDF-163B-4DC4-8F2C-FDD4E4E6266B}"/>
+              </a:ext>
+            </a:extLst>
+          </p:cNvPr>
+          <p:cNvSpPr/>
+          <p:nvPr/>
+        </p:nvSpPr>
+        <p:spPr>
+          <a:xfrm>
+            <a:off x="9790176" y="433437"/>
+            <a:ext cx="2097024" cy="5875923"/>
+          </a:xfrm>
+          <a:prstGeom prst="rect">
+            <a:avLst/>
+          </a:prstGeom>
+        </p:spPr>
+        <p:style>
+          <a:lnRef idx="2">
+            <a:schemeClr val="dk1"/>
+          </a:lnRef>
+          <a:fillRef idx="1">
+            <a:schemeClr val="lt1"/>
+          </a:fillRef>
+          <a:effectRef idx="0">
+            <a:schemeClr val="dk1"/>
+          </a:effectRef>
+          <a:fontRef idx="minor">
+            <a:schemeClr val="dk1"/>
+          </a:fontRef>
+        </p:style>
+        <p:txBody>
+          <a:bodyPr rtlCol="0" anchor="ctr"/>
+          <a:lstStyle/>
+          <a:p>
+            <a:pPr algn="ctr"/>
+            <a:r>
+              <a:rPr lang="it-IT" dirty="0"/>
+              <a:t>Elenco parametri</a:t>
+            </a:r>
+            <a:endParaRPr lang="en-US" dirty="0"/>
+          </a:p>
+        </p:txBody>
+      </p:sp>
+      <p:sp>
+        <p:nvSpPr>
+          <p:cNvPr id="9" name="Rettangolo 8">
+            <a:extLst>
+              <a:ext uri="{FF2B5EF4-FFF2-40B4-BE49-F238E27FC236}">
+                <a16:creationId xmlns:a16="http://schemas.microsoft.com/office/drawing/2014/main" id="{95AECDC6-C4E4-46D7-9B73-DE2B1EB7F103}"/>
+              </a:ext>
+            </a:extLst>
+          </p:cNvPr>
+          <p:cNvSpPr/>
+          <p:nvPr/>
+        </p:nvSpPr>
+        <p:spPr>
+          <a:xfrm>
+            <a:off x="9936480" y="4011168"/>
+            <a:ext cx="1871472" cy="341376"/>
+          </a:xfrm>
+          <a:prstGeom prst="rect">
+            <a:avLst/>
+          </a:prstGeom>
+        </p:spPr>
+        <p:style>
+          <a:lnRef idx="2">
+            <a:schemeClr val="accent1">
+              <a:shade val="50000"/>
+            </a:schemeClr>
+          </a:lnRef>
+          <a:fillRef idx="1">
+            <a:schemeClr val="accent1"/>
+          </a:fillRef>
+          <a:effectRef idx="0">
+            <a:schemeClr val="accent1"/>
+          </a:effectRef>
+          <a:fontRef idx="minor">
+            <a:schemeClr val="lt1"/>
+          </a:fontRef>
+        </p:style>
+        <p:txBody>
+          <a:bodyPr rtlCol="0" anchor="ctr"/>
+          <a:lstStyle/>
+          <a:p>
+            <a:pPr algn="ctr"/>
+            <a:r>
+              <a:rPr lang="it-IT" dirty="0" err="1"/>
+              <a:t>Run</a:t>
+            </a:r>
+            <a:endParaRPr lang="en-US" dirty="0"/>
+          </a:p>
+        </p:txBody>
+      </p:sp>
+      <p:sp>
+        <p:nvSpPr>
+          <p:cNvPr id="10" name="Rettangolo 9">
+            <a:extLst>
+              <a:ext uri="{FF2B5EF4-FFF2-40B4-BE49-F238E27FC236}">
+                <a16:creationId xmlns:a16="http://schemas.microsoft.com/office/drawing/2014/main" id="{CB7428BB-AFD9-4AE2-88EB-7C7693865BC3}"/>
+              </a:ext>
+            </a:extLst>
+          </p:cNvPr>
+          <p:cNvSpPr/>
+          <p:nvPr/>
+        </p:nvSpPr>
+        <p:spPr>
+          <a:xfrm>
+            <a:off x="9951934" y="4593336"/>
+            <a:ext cx="1856018" cy="341376"/>
+          </a:xfrm>
+          <a:prstGeom prst="rect">
+            <a:avLst/>
+          </a:prstGeom>
+        </p:spPr>
+        <p:style>
+          <a:lnRef idx="2">
+            <a:schemeClr val="accent1">
+              <a:shade val="50000"/>
+            </a:schemeClr>
+          </a:lnRef>
+          <a:fillRef idx="1">
+            <a:schemeClr val="accent1"/>
+          </a:fillRef>
+          <a:effectRef idx="0">
+            <a:schemeClr val="accent1"/>
+          </a:effectRef>
+          <a:fontRef idx="minor">
+            <a:schemeClr val="lt1"/>
+          </a:fontRef>
+        </p:style>
+        <p:txBody>
+          <a:bodyPr rtlCol="0" anchor="ctr"/>
+          <a:lstStyle/>
+          <a:p>
+            <a:pPr algn="ctr"/>
+            <a:r>
+              <a:rPr lang="it-IT" dirty="0"/>
+              <a:t>Show Panel</a:t>
+            </a:r>
+            <a:endParaRPr lang="en-US" dirty="0"/>
+          </a:p>
+        </p:txBody>
+      </p:sp>
+      <p:sp>
+        <p:nvSpPr>
+          <p:cNvPr id="12" name="Rettangolo 11">
+            <a:extLst>
+              <a:ext uri="{FF2B5EF4-FFF2-40B4-BE49-F238E27FC236}">
+                <a16:creationId xmlns:a16="http://schemas.microsoft.com/office/drawing/2014/main" id="{9C422894-D9F4-41B8-A6F5-94BF7258FFA8}"/>
+              </a:ext>
+            </a:extLst>
+          </p:cNvPr>
+          <p:cNvSpPr/>
+          <p:nvPr/>
+        </p:nvSpPr>
+        <p:spPr>
+          <a:xfrm>
+            <a:off x="9942576" y="5151120"/>
+            <a:ext cx="1871472" cy="341376"/>
+          </a:xfrm>
+          <a:prstGeom prst="rect">
+            <a:avLst/>
+          </a:prstGeom>
+        </p:spPr>
+        <p:style>
+          <a:lnRef idx="2">
+            <a:schemeClr val="accent1">
+              <a:shade val="50000"/>
+            </a:schemeClr>
+          </a:lnRef>
+          <a:fillRef idx="1">
+            <a:schemeClr val="accent1"/>
+          </a:fillRef>
+          <a:effectRef idx="0">
+            <a:schemeClr val="accent1"/>
+          </a:effectRef>
+          <a:fontRef idx="minor">
+            <a:schemeClr val="lt1"/>
+          </a:fontRef>
+        </p:style>
+        <p:txBody>
+          <a:bodyPr rtlCol="0" anchor="ctr"/>
+          <a:lstStyle/>
+          <a:p>
+            <a:pPr algn="ctr"/>
+            <a:r>
+              <a:rPr lang="it-IT" dirty="0"/>
+              <a:t>Show Stat</a:t>
+            </a:r>
+            <a:endParaRPr lang="en-US" dirty="0"/>
+          </a:p>
+        </p:txBody>
+      </p:sp>
+      <p:sp>
+        <p:nvSpPr>
+          <p:cNvPr id="13" name="Rettangolo 12">
+            <a:extLst>
+              <a:ext uri="{FF2B5EF4-FFF2-40B4-BE49-F238E27FC236}">
+                <a16:creationId xmlns:a16="http://schemas.microsoft.com/office/drawing/2014/main" id="{A7D3E7A2-EE58-425C-A0FA-FF8AE7BE0808}"/>
+              </a:ext>
+            </a:extLst>
+          </p:cNvPr>
+          <p:cNvSpPr/>
+          <p:nvPr/>
+        </p:nvSpPr>
+        <p:spPr>
+          <a:xfrm>
+            <a:off x="9958030" y="5733288"/>
+            <a:ext cx="1856018" cy="341376"/>
+          </a:xfrm>
+          <a:prstGeom prst="rect">
+            <a:avLst/>
+          </a:prstGeom>
+        </p:spPr>
+        <p:style>
+          <a:lnRef idx="2">
+            <a:schemeClr val="accent1">
+              <a:shade val="50000"/>
+            </a:schemeClr>
+          </a:lnRef>
+          <a:fillRef idx="1">
+            <a:schemeClr val="accent1"/>
+          </a:fillRef>
+          <a:effectRef idx="0">
+            <a:schemeClr val="accent1"/>
+          </a:effectRef>
+          <a:fontRef idx="minor">
+            <a:schemeClr val="lt1"/>
+          </a:fontRef>
+        </p:style>
+        <p:txBody>
+          <a:bodyPr rtlCol="0" anchor="ctr"/>
+          <a:lstStyle/>
+          <a:p>
+            <a:pPr algn="ctr"/>
+            <a:r>
+              <a:rPr lang="it-IT" dirty="0"/>
+              <a:t>Open </a:t>
+            </a:r>
+            <a:r>
+              <a:rPr lang="it-IT" dirty="0" err="1"/>
+              <a:t>GnuPlot</a:t>
+            </a:r>
+            <a:endParaRPr lang="en-US" dirty="0"/>
+          </a:p>
+        </p:txBody>
+      </p:sp>
+      <p:sp>
+        <p:nvSpPr>
+          <p:cNvPr id="3" name="Freccia a sinistra 2">
+            <a:extLst>
+              <a:ext uri="{FF2B5EF4-FFF2-40B4-BE49-F238E27FC236}">
+                <a16:creationId xmlns:a16="http://schemas.microsoft.com/office/drawing/2014/main" id="{01B100E8-61C4-4734-8CEA-E6310A30F5E8}"/>
+              </a:ext>
+            </a:extLst>
+          </p:cNvPr>
+          <p:cNvSpPr/>
+          <p:nvPr/>
+        </p:nvSpPr>
+        <p:spPr>
+          <a:xfrm>
+            <a:off x="9430512" y="5151120"/>
+            <a:ext cx="420624" cy="341376"/>
+          </a:xfrm>
+          <a:prstGeom prst="leftArrow">
+            <a:avLst/>
+          </a:prstGeom>
+          <a:solidFill>
+            <a:srgbClr val="FF0000"/>
+          </a:solidFill>
+        </p:spPr>
+        <p:style>
+          <a:lnRef idx="2">
+            <a:schemeClr val="accent1">
+              <a:shade val="50000"/>
+            </a:schemeClr>
+          </a:lnRef>
+          <a:fillRef idx="1">
+            <a:schemeClr val="accent1"/>
+          </a:fillRef>
+          <a:effectRef idx="0">
+            <a:schemeClr val="accent1"/>
+          </a:effectRef>
+          <a:fontRef idx="minor">
+            <a:schemeClr val="lt1"/>
+          </a:fontRef>
+        </p:style>
+        <p:txBody>
+          <a:bodyPr rtlCol="0" anchor="ctr"/>
+          <a:lstStyle/>
+          <a:p>
+            <a:pPr algn="ctr"/>
+            <a:endParaRPr lang="en-US"/>
+          </a:p>
+        </p:txBody>
+      </p:sp>
+      <p:sp>
+        <p:nvSpPr>
+          <p:cNvPr id="7" name="Rectangle 6">
+            <a:extLst>
+              <a:ext uri="{FF2B5EF4-FFF2-40B4-BE49-F238E27FC236}">
+                <a16:creationId xmlns:a16="http://schemas.microsoft.com/office/drawing/2014/main" id="{B756D4E1-C2F2-4397-8E63-FE61DE812F07}"/>
+              </a:ext>
+            </a:extLst>
+          </p:cNvPr>
+          <p:cNvSpPr/>
+          <p:nvPr/>
+        </p:nvSpPr>
+        <p:spPr>
+          <a:xfrm>
+            <a:off x="931873" y="1255776"/>
+            <a:ext cx="244655" cy="268224"/>
+          </a:xfrm>
+          <a:prstGeom prst="rect">
+            <a:avLst/>
+          </a:prstGeom>
+          <a:noFill/>
+          <a:ln w="28575">
+            <a:solidFill>
+              <a:schemeClr val="tx1"/>
+            </a:solidFill>
+          </a:ln>
+        </p:spPr>
+        <p:style>
+          <a:lnRef idx="2">
+            <a:schemeClr val="accent1">
+              <a:shade val="50000"/>
+            </a:schemeClr>
+          </a:lnRef>
+          <a:fillRef idx="1">
+            <a:schemeClr val="accent1"/>
+          </a:fillRef>
+          <a:effectRef idx="0">
+            <a:schemeClr val="accent1"/>
+          </a:effectRef>
+          <a:fontRef idx="minor">
+            <a:schemeClr val="lt1"/>
+          </a:fontRef>
+        </p:style>
+        <p:txBody>
+          <a:bodyPr rtlCol="0" anchor="ctr"/>
+          <a:lstStyle/>
+          <a:p>
+            <a:pPr algn="ctr"/>
+            <a:endParaRPr lang="en-US"/>
+          </a:p>
+        </p:txBody>
+      </p:sp>
+      <p:sp>
+        <p:nvSpPr>
+          <p:cNvPr id="11" name="TextBox 10">
+            <a:extLst>
+              <a:ext uri="{FF2B5EF4-FFF2-40B4-BE49-F238E27FC236}">
+                <a16:creationId xmlns:a16="http://schemas.microsoft.com/office/drawing/2014/main" id="{A44A8355-DE3E-4B90-929A-8633A0992C5F}"/>
+              </a:ext>
+            </a:extLst>
+          </p:cNvPr>
+          <p:cNvSpPr txBox="1"/>
+          <p:nvPr/>
+        </p:nvSpPr>
+        <p:spPr>
+          <a:xfrm>
+            <a:off x="1341120" y="1216890"/>
+            <a:ext cx="841248" cy="369332"/>
+          </a:xfrm>
+          <a:prstGeom prst="rect">
+            <a:avLst/>
+          </a:prstGeom>
+          <a:noFill/>
+        </p:spPr>
+        <p:txBody>
+          <a:bodyPr wrap="square" rtlCol="0">
+            <a:spAutoFit/>
+          </a:bodyPr>
+          <a:lstStyle/>
+          <a:p>
+            <a:r>
+              <a:rPr lang="it-IT" dirty="0" err="1"/>
+              <a:t>Year</a:t>
+            </a:r>
+            <a:endParaRPr lang="en-US" dirty="0"/>
+          </a:p>
+        </p:txBody>
+      </p:sp>
+      <p:sp>
+        <p:nvSpPr>
+          <p:cNvPr id="14" name="Rectangle 13">
+            <a:extLst>
+              <a:ext uri="{FF2B5EF4-FFF2-40B4-BE49-F238E27FC236}">
+                <a16:creationId xmlns:a16="http://schemas.microsoft.com/office/drawing/2014/main" id="{62640B0B-9643-4C2E-8D86-F500F288997F}"/>
+              </a:ext>
+            </a:extLst>
+          </p:cNvPr>
+          <p:cNvSpPr/>
+          <p:nvPr/>
+        </p:nvSpPr>
+        <p:spPr>
+          <a:xfrm>
+            <a:off x="2097024" y="1072896"/>
+            <a:ext cx="6967728" cy="652272"/>
+          </a:xfrm>
+          <a:prstGeom prst="rect">
+            <a:avLst/>
+          </a:prstGeom>
+          <a:noFill/>
+        </p:spPr>
+        <p:style>
+          <a:lnRef idx="2">
+            <a:schemeClr val="accent1">
+              <a:shade val="50000"/>
+            </a:schemeClr>
+          </a:lnRef>
+          <a:fillRef idx="1">
+            <a:schemeClr val="accent1"/>
+          </a:fillRef>
+          <a:effectRef idx="0">
+            <a:schemeClr val="accent1"/>
+          </a:effectRef>
+          <a:fontRef idx="minor">
+            <a:schemeClr val="lt1"/>
+          </a:fontRef>
+        </p:style>
+        <p:txBody>
+          <a:bodyPr rtlCol="0" anchor="ctr"/>
+          <a:lstStyle/>
+          <a:p>
+            <a:pPr algn="ctr"/>
+            <a:endParaRPr lang="en-US"/>
+          </a:p>
+        </p:txBody>
+      </p:sp>
+      <p:sp>
+        <p:nvSpPr>
+          <p:cNvPr id="15" name="TextBox 14">
+            <a:extLst>
+              <a:ext uri="{FF2B5EF4-FFF2-40B4-BE49-F238E27FC236}">
+                <a16:creationId xmlns:a16="http://schemas.microsoft.com/office/drawing/2014/main" id="{CCE5C312-5E00-4A4A-ADBB-2CF3A3EB09FE}"/>
+              </a:ext>
+            </a:extLst>
+          </p:cNvPr>
+          <p:cNvSpPr txBox="1"/>
+          <p:nvPr/>
+        </p:nvSpPr>
+        <p:spPr>
+          <a:xfrm>
+            <a:off x="2346960" y="1241681"/>
+            <a:ext cx="920496" cy="369332"/>
+          </a:xfrm>
+          <a:prstGeom prst="rect">
+            <a:avLst/>
+          </a:prstGeom>
+          <a:noFill/>
+        </p:spPr>
+        <p:txBody>
+          <a:bodyPr wrap="square" rtlCol="0">
+            <a:spAutoFit/>
+          </a:bodyPr>
+          <a:lstStyle/>
+          <a:p>
+            <a:r>
+              <a:rPr lang="it-IT" dirty="0"/>
+              <a:t>Day</a:t>
+            </a:r>
+            <a:endParaRPr lang="en-US" dirty="0"/>
+          </a:p>
+        </p:txBody>
+      </p:sp>
+      <p:sp>
+        <p:nvSpPr>
+          <p:cNvPr id="16" name="TextBox 15">
+            <a:extLst>
+              <a:ext uri="{FF2B5EF4-FFF2-40B4-BE49-F238E27FC236}">
+                <a16:creationId xmlns:a16="http://schemas.microsoft.com/office/drawing/2014/main" id="{92DFA01A-0258-478B-8C59-812626D64ED7}"/>
+              </a:ext>
+            </a:extLst>
+          </p:cNvPr>
+          <p:cNvSpPr txBox="1"/>
+          <p:nvPr/>
+        </p:nvSpPr>
+        <p:spPr>
+          <a:xfrm>
+            <a:off x="2980944" y="1216890"/>
+            <a:ext cx="646176" cy="369332"/>
+          </a:xfrm>
+          <a:prstGeom prst="rect">
+            <a:avLst/>
+          </a:prstGeom>
+          <a:noFill/>
+          <a:ln w="19050">
+            <a:solidFill>
+              <a:schemeClr val="tx1">
+                <a:lumMod val="75000"/>
+                <a:lumOff val="25000"/>
+              </a:schemeClr>
+            </a:solidFill>
+          </a:ln>
+        </p:spPr>
+        <p:txBody>
+          <a:bodyPr wrap="square" rtlCol="0">
+            <a:spAutoFit/>
+          </a:bodyPr>
+          <a:lstStyle/>
+          <a:p>
+            <a:pPr algn="r"/>
+            <a:r>
+              <a:rPr lang="it-IT" dirty="0"/>
+              <a:t>24</a:t>
+            </a:r>
+            <a:endParaRPr lang="en-US" dirty="0"/>
+          </a:p>
+        </p:txBody>
+      </p:sp>
+      <p:sp>
+        <p:nvSpPr>
+          <p:cNvPr id="18" name="TextBox 17">
+            <a:extLst>
+              <a:ext uri="{FF2B5EF4-FFF2-40B4-BE49-F238E27FC236}">
+                <a16:creationId xmlns:a16="http://schemas.microsoft.com/office/drawing/2014/main" id="{2CCFD4E4-2F38-41AD-84EE-40512DF54167}"/>
+              </a:ext>
+            </a:extLst>
+          </p:cNvPr>
+          <p:cNvSpPr txBox="1"/>
+          <p:nvPr/>
+        </p:nvSpPr>
+        <p:spPr>
+          <a:xfrm>
+            <a:off x="3883152" y="1216890"/>
+            <a:ext cx="4681730" cy="369332"/>
+          </a:xfrm>
+          <a:prstGeom prst="rect">
+            <a:avLst/>
+          </a:prstGeom>
+          <a:noFill/>
+        </p:spPr>
+        <p:txBody>
+          <a:bodyPr wrap="square" rtlCol="0">
+            <a:spAutoFit/>
+          </a:bodyPr>
+          <a:lstStyle/>
+          <a:p>
+            <a:r>
+              <a:rPr lang="it-IT" dirty="0"/>
+              <a:t>&lt;- Slider per selezionare il giorno?</a:t>
+            </a:r>
+            <a:endParaRPr lang="en-US" dirty="0"/>
+          </a:p>
+        </p:txBody>
+      </p:sp>
+      <p:pic>
+        <p:nvPicPr>
+          <p:cNvPr id="19" name="Picture 18">
+            <a:extLst>
+              <a:ext uri="{FF2B5EF4-FFF2-40B4-BE49-F238E27FC236}">
+                <a16:creationId xmlns:a16="http://schemas.microsoft.com/office/drawing/2014/main" id="{26A9AB28-DC65-40E4-83BE-7E9F0675AD54}"/>
+              </a:ext>
+            </a:extLst>
+          </p:cNvPr>
+          <p:cNvPicPr>
+            <a:picLocks noChangeAspect="1"/>
+          </p:cNvPicPr>
+          <p:nvPr/>
+        </p:nvPicPr>
+        <p:blipFill>
+          <a:blip r:embed="rId2"/>
+          <a:stretch>
+            <a:fillRect/>
+          </a:stretch>
+        </p:blipFill>
+        <p:spPr>
+          <a:xfrm>
+            <a:off x="952309" y="2118883"/>
+            <a:ext cx="8331899" cy="4105133"/>
+          </a:xfrm>
+          <a:prstGeom prst="rect">
+            <a:avLst/>
+          </a:prstGeom>
+        </p:spPr>
+      </p:pic>
+      <p:sp>
+        <p:nvSpPr>
+          <p:cNvPr id="17" name="TextBox 16">
+            <a:extLst>
+              <a:ext uri="{FF2B5EF4-FFF2-40B4-BE49-F238E27FC236}">
+                <a16:creationId xmlns:a16="http://schemas.microsoft.com/office/drawing/2014/main" id="{9C367C0F-526B-4786-B747-C6937B25404E}"/>
+              </a:ext>
+            </a:extLst>
+          </p:cNvPr>
+          <p:cNvSpPr txBox="1"/>
+          <p:nvPr/>
+        </p:nvSpPr>
+        <p:spPr>
+          <a:xfrm>
+            <a:off x="3371088" y="2286000"/>
+            <a:ext cx="3870960" cy="369332"/>
+          </a:xfrm>
+          <a:prstGeom prst="rect">
+            <a:avLst/>
+          </a:prstGeom>
+          <a:solidFill>
+            <a:schemeClr val="bg1"/>
+          </a:solidFill>
+        </p:spPr>
+        <p:txBody>
+          <a:bodyPr wrap="square" rtlCol="0">
+            <a:spAutoFit/>
+          </a:bodyPr>
+          <a:lstStyle/>
+          <a:p>
+            <a:pPr algn="ctr"/>
+            <a:r>
+              <a:rPr lang="it-IT" dirty="0"/>
+              <a:t>Rendimento di giornata</a:t>
+            </a:r>
+            <a:endParaRPr lang="en-US" dirty="0"/>
+          </a:p>
+        </p:txBody>
+      </p:sp>
+    </p:spTree>
+    <p:extLst>
+      <p:ext uri="{BB962C8B-B14F-4D97-AF65-F5344CB8AC3E}">
+        <p14:creationId xmlns:p14="http://schemas.microsoft.com/office/powerpoint/2010/main" val="2385409306"/>
       </p:ext>
     </p:extLst>
   </p:cSld>

--- a/doc/interfaccia.pptx
+++ b/doc/interfaccia.pptx
@@ -6,9 +6,11 @@
   </p:sldMasterIdLst>
   <p:sldIdLst>
     <p:sldId id="258" r:id="rId2"/>
-    <p:sldId id="256" r:id="rId3"/>
-    <p:sldId id="257" r:id="rId4"/>
-    <p:sldId id="259" r:id="rId5"/>
+    <p:sldId id="261" r:id="rId3"/>
+    <p:sldId id="260" r:id="rId4"/>
+    <p:sldId id="256" r:id="rId5"/>
+    <p:sldId id="257" r:id="rId6"/>
+    <p:sldId id="259" r:id="rId7"/>
   </p:sldIdLst>
   <p:sldSz cx="12192000" cy="6858000"/>
   <p:notesSz cx="6858000" cy="9144000"/>
@@ -3368,7 +3370,7 @@
         </p:nvSpPr>
         <p:spPr>
           <a:xfrm>
-            <a:off x="1524000" y="1122363"/>
+            <a:off x="1185672" y="686848"/>
             <a:ext cx="6394704" cy="871029"/>
           </a:xfrm>
         </p:spPr>
@@ -3389,57 +3391,104 @@
       </p:sp>
       <p:sp>
         <p:nvSpPr>
-          <p:cNvPr id="3" name="Subtitle 2">
-            <a:extLst>
-              <a:ext uri="{FF2B5EF4-FFF2-40B4-BE49-F238E27FC236}">
-                <a16:creationId xmlns:a16="http://schemas.microsoft.com/office/drawing/2014/main" id="{7E532D42-5EFB-4F3F-8DB1-D583884E9856}"/>
-              </a:ext>
-            </a:extLst>
-          </p:cNvPr>
-          <p:cNvSpPr>
-            <a:spLocks noGrp="1"/>
-          </p:cNvSpPr>
-          <p:nvPr>
-            <p:ph type="subTitle" idx="1"/>
-          </p:nvPr>
-        </p:nvSpPr>
-        <p:spPr>
-          <a:xfrm>
-            <a:off x="1463040" y="2425510"/>
-            <a:ext cx="9144000" cy="1655762"/>
-          </a:xfrm>
-        </p:spPr>
-        <p:txBody>
-          <a:bodyPr>
-            <a:normAutofit fontScale="70000" lnSpcReduction="20000"/>
+          <p:cNvPr id="5" name="TextBox 4">
+            <a:extLst>
+              <a:ext uri="{FF2B5EF4-FFF2-40B4-BE49-F238E27FC236}">
+                <a16:creationId xmlns:a16="http://schemas.microsoft.com/office/drawing/2014/main" id="{1D3E2F38-490D-4CBB-BEA1-5939BE6DE5BB}"/>
+              </a:ext>
+            </a:extLst>
+          </p:cNvPr>
+          <p:cNvSpPr txBox="1"/>
+          <p:nvPr/>
+        </p:nvSpPr>
+        <p:spPr>
+          <a:xfrm>
+            <a:off x="1277112" y="3773424"/>
+            <a:ext cx="9820656" cy="2308324"/>
+          </a:xfrm>
+          <a:prstGeom prst="rect">
+            <a:avLst/>
+          </a:prstGeom>
+          <a:noFill/>
+        </p:spPr>
+        <p:txBody>
+          <a:bodyPr wrap="square" rtlCol="0">
+            <a:spAutoFit/>
           </a:bodyPr>
           <a:lstStyle/>
           <a:p>
-            <a:pPr marL="342900" indent="-342900" algn="l">
-              <a:buFont typeface="Arial" panose="020B0604020202020204" pitchFamily="34" charset="0"/>
-              <a:buChar char="•"/>
-            </a:pPr>
+            <a:r>
+              <a:rPr lang="it-IT" dirty="0">
+                <a:solidFill>
+                  <a:srgbClr val="FF0000"/>
+                </a:solidFill>
+              </a:rPr>
+              <a:t>PRIMA COSA: </a:t>
+            </a:r>
             <a:r>
               <a:rPr lang="it-IT" dirty="0"/>
-              <a:t>Dimensioni interfaccia? (800x600? Reattiva? Per non sbatterci suggerirei fissa a 800x600)</a:t>
-            </a:r>
-          </a:p>
-          <a:p>
-            <a:pPr marL="342900" indent="-342900" algn="l">
-              <a:buFont typeface="Arial" panose="020B0604020202020204" pitchFamily="34" charset="0"/>
-              <a:buChar char="•"/>
-            </a:pPr>
-            <a:r>
-              <a:rPr lang="en-US" dirty="0" err="1"/>
-              <a:t>Quando</a:t>
-            </a:r>
-            <a:r>
-              <a:rPr lang="en-US" dirty="0"/>
+              <a:t>ho integrato e ripulito il software, quando ci lavorate </a:t>
+            </a:r>
+            <a:r>
+              <a:rPr lang="it-IT" dirty="0" err="1"/>
+              <a:t>ri</a:t>
+            </a:r>
+            <a:r>
+              <a:rPr lang="it-IT" dirty="0"/>
+              <a:t>-scaricatelo tutto da</a:t>
+            </a:r>
+          </a:p>
+          <a:p>
+            <a:endParaRPr lang="it-IT" dirty="0"/>
+          </a:p>
+          <a:p>
+            <a:r>
+              <a:rPr lang="it-IT" dirty="0"/>
               <a:t> </a:t>
             </a:r>
             <a:r>
-              <a:rPr lang="en-US" dirty="0" err="1"/>
-              <a:t>si</a:t>
+              <a:rPr lang="it-IT" dirty="0">
+                <a:hlinkClick r:id="rId2"/>
+              </a:rPr>
+              <a:t>https://github.com/dgasparri/pv-creativity/tree/v2020.01.28-working</a:t>
+            </a:r>
+            <a:endParaRPr lang="it-IT" dirty="0"/>
+          </a:p>
+          <a:p>
+            <a:endParaRPr lang="it-IT" dirty="0"/>
+          </a:p>
+          <a:p>
+            <a:r>
+              <a:rPr lang="en-US" dirty="0"/>
+              <a:t>Se no </a:t>
+            </a:r>
+            <a:r>
+              <a:rPr lang="en-US" dirty="0" err="1"/>
+              <a:t>diventa</a:t>
+            </a:r>
+            <a:r>
+              <a:rPr lang="en-US" dirty="0"/>
+              <a:t> un casino </a:t>
+            </a:r>
+            <a:r>
+              <a:rPr lang="en-US" dirty="0" err="1"/>
+              <a:t>integrarlo</a:t>
+            </a:r>
+            <a:r>
+              <a:rPr lang="en-US" dirty="0"/>
+              <a:t> di nuovo. </a:t>
+            </a:r>
+            <a:r>
+              <a:rPr lang="en-US" dirty="0" err="1"/>
+              <a:t>Attenzione</a:t>
+            </a:r>
+            <a:r>
+              <a:rPr lang="en-US" dirty="0"/>
+              <a:t> a non </a:t>
+            </a:r>
+            <a:r>
+              <a:rPr lang="en-US" dirty="0" err="1"/>
+              <a:t>scaricarsi</a:t>
             </a:r>
             <a:r>
               <a:rPr lang="en-US" dirty="0"/>
@@ -3447,23 +3496,50 @@
             </a:r>
             <a:r>
               <a:rPr lang="en-US" dirty="0" err="1"/>
-              <a:t>schiaccia</a:t>
-            </a:r>
-            <a:r>
-              <a:rPr lang="en-US" dirty="0"/>
-              <a:t> Run, far </a:t>
-            </a:r>
-            <a:r>
-              <a:rPr lang="en-US" dirty="0" err="1"/>
-              <a:t>partire</a:t>
-            </a:r>
-            <a:r>
-              <a:rPr lang="en-US" dirty="0"/>
-              <a:t> una </a:t>
-            </a:r>
-            <a:r>
-              <a:rPr lang="en-US" dirty="0" err="1"/>
-              <a:t>qualche</a:t>
+              <a:t>il</a:t>
+            </a:r>
+            <a:r>
+              <a:rPr lang="en-US" dirty="0"/>
+              <a:t> file di </a:t>
+            </a:r>
+            <a:r>
+              <a:rPr lang="en-US" dirty="0" err="1"/>
+              <a:t>progetto</a:t>
+            </a:r>
+            <a:r>
+              <a:rPr lang="en-US" dirty="0"/>
+              <a:t> di Visual-</a:t>
+            </a:r>
+            <a:r>
+              <a:rPr lang="en-US" dirty="0" err="1"/>
+              <a:t>Schifo</a:t>
+            </a:r>
+            <a:r>
+              <a:rPr lang="en-US" dirty="0"/>
+              <a:t>-Studio 2019, se no non </a:t>
+            </a:r>
+            <a:r>
+              <a:rPr lang="en-US" dirty="0" err="1"/>
+              <a:t>compila</a:t>
+            </a:r>
+            <a:endParaRPr lang="en-US" dirty="0"/>
+          </a:p>
+          <a:p>
+            <a:r>
+              <a:rPr lang="en-US" dirty="0"/>
+              <a:t>(</a:t>
+            </a:r>
+            <a:r>
+              <a:rPr lang="en-US" dirty="0" err="1"/>
+              <a:t>Eventuale</a:t>
+            </a:r>
+            <a:r>
+              <a:rPr lang="en-US" dirty="0"/>
+              <a:t> piano B: </a:t>
+            </a:r>
+            <a:r>
+              <a:rPr lang="en-US" dirty="0" err="1"/>
+              <a:t>tenete</a:t>
             </a:r>
             <a:r>
               <a:rPr lang="en-US" dirty="0"/>
@@ -3471,33 +3547,7 @@
             </a:r>
             <a:r>
               <a:rPr lang="en-US" dirty="0" err="1"/>
-              <a:t>animazione</a:t>
-            </a:r>
-            <a:r>
-              <a:rPr lang="en-US" dirty="0"/>
-              <a:t>.</a:t>
-            </a:r>
-          </a:p>
-          <a:p>
-            <a:pPr marL="800100" lvl="1" indent="-342900" algn="l">
-              <a:buFont typeface="Arial" panose="020B0604020202020204" pitchFamily="34" charset="0"/>
-              <a:buChar char="•"/>
-            </a:pPr>
-            <a:r>
-              <a:rPr lang="en-US" dirty="0"/>
-              <a:t>SE E’ FACILE, </a:t>
-            </a:r>
-            <a:r>
-              <a:rPr lang="en-US" dirty="0" err="1"/>
-              <a:t>il</a:t>
-            </a:r>
-            <a:r>
-              <a:rPr lang="en-US" dirty="0"/>
-              <a:t> sole </a:t>
-            </a:r>
-            <a:r>
-              <a:rPr lang="en-US" dirty="0" err="1"/>
-              <a:t>nel</a:t>
+              <a:t>dettagliata</a:t>
             </a:r>
             <a:r>
               <a:rPr lang="en-US" dirty="0"/>
@@ -3505,22 +3555,23 @@
             </a:r>
             <a:r>
               <a:rPr lang="en-US" dirty="0" err="1"/>
-              <a:t>pannello</a:t>
-            </a:r>
-            <a:endParaRPr lang="en-US" dirty="0"/>
-          </a:p>
-          <a:p>
-            <a:pPr marL="800100" lvl="1" indent="-342900" algn="l">
-              <a:buFont typeface="Arial" panose="020B0604020202020204" pitchFamily="34" charset="0"/>
-              <a:buChar char="•"/>
-            </a:pPr>
-            <a:r>
-              <a:rPr lang="en-US" dirty="0"/>
-              <a:t>SE NON E’ FACILE, far </a:t>
-            </a:r>
-            <a:r>
-              <a:rPr lang="en-US" dirty="0" err="1"/>
-              <a:t>caricare</a:t>
+              <a:t>traccia</a:t>
+            </a:r>
+            <a:r>
+              <a:rPr lang="en-US" dirty="0"/>
+              <a:t> di </a:t>
+            </a:r>
+            <a:r>
+              <a:rPr lang="en-US" dirty="0" err="1"/>
+              <a:t>qualunque</a:t>
+            </a:r>
+            <a:r>
+              <a:rPr lang="en-US" dirty="0"/>
+              <a:t> file </a:t>
+            </a:r>
+            <a:r>
+              <a:rPr lang="en-US" dirty="0" err="1"/>
+              <a:t>modifichiate</a:t>
             </a:r>
             <a:r>
               <a:rPr lang="en-US" dirty="0"/>
@@ -3528,31 +3579,31 @@
             </a:r>
             <a:r>
               <a:rPr lang="en-US" dirty="0" err="1"/>
-              <a:t>ogni</a:t>
-            </a:r>
-            <a:r>
-              <a:rPr lang="en-US" dirty="0"/>
-              <a:t> x loop (</a:t>
-            </a:r>
-            <a:r>
-              <a:rPr lang="en-US" dirty="0" err="1"/>
-              <a:t>tipo</a:t>
-            </a:r>
-            <a:r>
-              <a:rPr lang="en-US" dirty="0"/>
-              <a:t> 10?) una </a:t>
-            </a:r>
-            <a:r>
-              <a:rPr lang="en-US" dirty="0" err="1"/>
-              <a:t>immagine</a:t>
-            </a:r>
-            <a:r>
-              <a:rPr lang="en-US" dirty="0"/>
-              <a:t> jpeg o </a:t>
-            </a:r>
-            <a:r>
-              <a:rPr lang="en-US" dirty="0" err="1"/>
-              <a:t>png</a:t>
+              <a:t>così</a:t>
+            </a:r>
+            <a:r>
+              <a:rPr lang="en-US" dirty="0"/>
+              <a:t> so </a:t>
+            </a:r>
+            <a:r>
+              <a:rPr lang="en-US" dirty="0" err="1"/>
+              <a:t>cosa</a:t>
+            </a:r>
+            <a:r>
+              <a:rPr lang="en-US" dirty="0"/>
+              <a:t> devo </a:t>
+            </a:r>
+            <a:r>
+              <a:rPr lang="en-US" dirty="0" err="1"/>
+              <a:t>scopiazzare</a:t>
+            </a:r>
+            <a:r>
+              <a:rPr lang="en-US" dirty="0"/>
+              <a:t> senza </a:t>
+            </a:r>
+            <a:r>
+              <a:rPr lang="en-US" dirty="0" err="1"/>
+              <a:t>riguardarmi</a:t>
             </a:r>
             <a:r>
               <a:rPr lang="en-US" dirty="0"/>
@@ -3560,239 +3611,59 @@
             </a:r>
             <a:r>
               <a:rPr lang="en-US" dirty="0" err="1"/>
-              <a:t>all’interno</a:t>
-            </a:r>
-            <a:r>
-              <a:rPr lang="en-US" dirty="0"/>
-              <a:t> del box. </a:t>
-            </a:r>
-          </a:p>
-          <a:p>
-            <a:pPr marL="1257300" lvl="2" indent="-342900" algn="l">
-              <a:buFont typeface="Arial" panose="020B0604020202020204" pitchFamily="34" charset="0"/>
-              <a:buChar char="•"/>
-            </a:pPr>
-            <a:r>
-              <a:rPr lang="en-US" dirty="0"/>
-              <a:t>Le </a:t>
-            </a:r>
-            <a:r>
-              <a:rPr lang="en-US" dirty="0" err="1"/>
-              <a:t>immagini</a:t>
-            </a:r>
-            <a:r>
-              <a:rPr lang="en-US" dirty="0"/>
-              <a:t> </a:t>
-            </a:r>
-            <a:r>
-              <a:rPr lang="en-US" dirty="0" err="1"/>
-              <a:t>vengono</a:t>
-            </a:r>
-            <a:r>
-              <a:rPr lang="en-US" dirty="0"/>
-              <a:t> generate da </a:t>
-            </a:r>
-            <a:r>
-              <a:rPr lang="en-US" dirty="0" err="1"/>
-              <a:t>gnuplot</a:t>
-            </a:r>
-            <a:r>
-              <a:rPr lang="en-US" dirty="0"/>
-              <a:t> (</a:t>
-            </a:r>
-            <a:r>
-              <a:rPr lang="en-US" dirty="0" err="1"/>
-              <a:t>src</a:t>
-            </a:r>
-            <a:r>
-              <a:rPr lang="en-US" dirty="0"/>
-              <a:t>/plot/gnuplot.cpp) con </a:t>
-            </a:r>
-            <a:r>
-              <a:rPr lang="en-US" dirty="0" err="1"/>
-              <a:t>il</a:t>
-            </a:r>
-            <a:r>
-              <a:rPr lang="en-US" dirty="0"/>
-              <a:t> </a:t>
-            </a:r>
-            <a:r>
-              <a:rPr lang="en-US" dirty="0" err="1"/>
-              <a:t>grafico</a:t>
-            </a:r>
-            <a:r>
-              <a:rPr lang="en-US" dirty="0"/>
-              <a:t> del </a:t>
-            </a:r>
-            <a:r>
-              <a:rPr lang="en-US" dirty="0" err="1"/>
-              <a:t>rendeimento</a:t>
-            </a:r>
-            <a:r>
-              <a:rPr lang="en-US" dirty="0"/>
-              <a:t> </a:t>
-            </a:r>
-            <a:r>
-              <a:rPr lang="en-US" dirty="0" err="1"/>
-              <a:t>della</a:t>
-            </a:r>
-            <a:r>
-              <a:rPr lang="en-US" dirty="0"/>
-              <a:t> </a:t>
-            </a:r>
-            <a:r>
-              <a:rPr lang="en-US" dirty="0" err="1"/>
-              <a:t>giornata</a:t>
-            </a:r>
-            <a:r>
-              <a:rPr lang="en-US" dirty="0"/>
-              <a:t> </a:t>
-            </a:r>
-            <a:r>
-              <a:rPr lang="en-US" dirty="0" err="1"/>
-              <a:t>tipo</a:t>
-            </a:r>
-            <a:r>
-              <a:rPr lang="en-US" dirty="0"/>
-              <a:t> </a:t>
-            </a:r>
-            <a:r>
-              <a:rPr lang="en-US" dirty="0" err="1"/>
-              <a:t>questo</a:t>
-            </a:r>
-            <a:r>
-              <a:rPr lang="en-US" dirty="0"/>
-              <a:t> qua sotto e </a:t>
-            </a:r>
-            <a:r>
-              <a:rPr lang="en-US" dirty="0" err="1"/>
-              <a:t>salvate</a:t>
-            </a:r>
-            <a:r>
-              <a:rPr lang="en-US" dirty="0"/>
-              <a:t> </a:t>
-            </a:r>
-            <a:r>
-              <a:rPr lang="en-US" dirty="0" err="1"/>
-              <a:t>su</a:t>
-            </a:r>
-            <a:r>
-              <a:rPr lang="en-US" dirty="0"/>
-              <a:t> disco. Di </a:t>
-            </a:r>
-            <a:r>
-              <a:rPr lang="en-US" dirty="0" err="1"/>
-              <a:t>gnuplot</a:t>
-            </a:r>
-            <a:r>
-              <a:rPr lang="en-US" dirty="0"/>
-              <a:t> mi </a:t>
-            </a:r>
-            <a:r>
-              <a:rPr lang="en-US" dirty="0" err="1"/>
-              <a:t>occupo</a:t>
-            </a:r>
-            <a:r>
-              <a:rPr lang="en-US" dirty="0"/>
-              <a:t> </a:t>
-            </a:r>
-            <a:r>
-              <a:rPr lang="en-US" dirty="0" err="1"/>
-              <a:t>io</a:t>
-            </a:r>
-            <a:r>
-              <a:rPr lang="en-US" dirty="0"/>
-              <a:t>, </a:t>
-            </a:r>
-            <a:r>
-              <a:rPr lang="en-US" dirty="0" err="1"/>
-              <a:t>basta</a:t>
-            </a:r>
-            <a:r>
-              <a:rPr lang="en-US" dirty="0"/>
-              <a:t> </a:t>
-            </a:r>
-            <a:r>
-              <a:rPr lang="en-US" dirty="0" err="1"/>
-              <a:t>che</a:t>
-            </a:r>
-            <a:r>
-              <a:rPr lang="en-US" dirty="0"/>
-              <a:t> mi </a:t>
-            </a:r>
-            <a:r>
-              <a:rPr lang="en-US" dirty="0" err="1"/>
-              <a:t>dite</a:t>
-            </a:r>
-            <a:r>
-              <a:rPr lang="en-US" dirty="0"/>
-              <a:t> in </a:t>
-            </a:r>
-            <a:r>
-              <a:rPr lang="en-US" dirty="0" err="1"/>
-              <a:t>che</a:t>
-            </a:r>
-            <a:r>
-              <a:rPr lang="en-US" dirty="0"/>
-              <a:t> </a:t>
-            </a:r>
-            <a:r>
-              <a:rPr lang="en-US" dirty="0" err="1"/>
-              <a:t>dimensioni</a:t>
-            </a:r>
-            <a:r>
-              <a:rPr lang="en-US" dirty="0"/>
-              <a:t> e </a:t>
-            </a:r>
-            <a:r>
-              <a:rPr lang="en-US" dirty="0" err="1"/>
-              <a:t>ogni</a:t>
-            </a:r>
-            <a:r>
-              <a:rPr lang="en-US" dirty="0"/>
-              <a:t> “</a:t>
-            </a:r>
-            <a:r>
-              <a:rPr lang="en-US" dirty="0" err="1"/>
-              <a:t>quanto</a:t>
-            </a:r>
-            <a:r>
-              <a:rPr lang="en-US" dirty="0"/>
-              <a:t>” le </a:t>
-            </a:r>
-            <a:r>
-              <a:rPr lang="en-US" dirty="0" err="1"/>
-              <a:t>volete</a:t>
-            </a:r>
-            <a:r>
-              <a:rPr lang="en-US" dirty="0"/>
-              <a:t> (</a:t>
-            </a:r>
-            <a:r>
-              <a:rPr lang="en-US" dirty="0" err="1"/>
-              <a:t>ogni</a:t>
-            </a:r>
-            <a:r>
-              <a:rPr lang="en-US" dirty="0"/>
-              <a:t> 10 </a:t>
-            </a:r>
-            <a:r>
-              <a:rPr lang="en-US" dirty="0" err="1"/>
-              <a:t>giorni</a:t>
-            </a:r>
-            <a:r>
-              <a:rPr lang="en-US" dirty="0"/>
-              <a:t> di loop?)</a:t>
-            </a:r>
+              <a:t>tutto</a:t>
+            </a:r>
+            <a:r>
+              <a:rPr lang="en-US" dirty="0"/>
+              <a:t>).</a:t>
+            </a:r>
+          </a:p>
+        </p:txBody>
+      </p:sp>
+      <p:sp>
+        <p:nvSpPr>
+          <p:cNvPr id="6" name="TextBox 5">
+            <a:extLst>
+              <a:ext uri="{FF2B5EF4-FFF2-40B4-BE49-F238E27FC236}">
+                <a16:creationId xmlns:a16="http://schemas.microsoft.com/office/drawing/2014/main" id="{452F9596-5722-4B5E-9805-E05ED49EFAA4}"/>
+              </a:ext>
+            </a:extLst>
+          </p:cNvPr>
+          <p:cNvSpPr txBox="1"/>
+          <p:nvPr/>
+        </p:nvSpPr>
+        <p:spPr>
+          <a:xfrm>
+            <a:off x="1572768" y="1737336"/>
+            <a:ext cx="5193792" cy="1569660"/>
+          </a:xfrm>
+          <a:prstGeom prst="rect">
+            <a:avLst/>
+          </a:prstGeom>
+          <a:solidFill>
+            <a:srgbClr val="FF0000"/>
+          </a:solidFill>
+        </p:spPr>
+        <p:txBody>
+          <a:bodyPr wrap="square" rtlCol="0">
+            <a:spAutoFit/>
+          </a:bodyPr>
+          <a:lstStyle/>
+          <a:p>
+            <a:r>
+              <a:rPr lang="it-IT" sz="3200" dirty="0"/>
+              <a:t>ATTENZIONE! Pericolo di morte a lavorare su codice vecchio!! </a:t>
+            </a:r>
+            <a:endParaRPr lang="en-US" sz="3200" dirty="0"/>
           </a:p>
         </p:txBody>
       </p:sp>
       <p:pic>
         <p:nvPicPr>
-          <p:cNvPr id="4" name="Picture 3">
-            <a:extLst>
-              <a:ext uri="{FF2B5EF4-FFF2-40B4-BE49-F238E27FC236}">
-                <a16:creationId xmlns:a16="http://schemas.microsoft.com/office/drawing/2014/main" id="{21088CA0-FB50-427C-9681-ED5A2452D895}"/>
+          <p:cNvPr id="7" name="Picture 6">
+            <a:extLst>
+              <a:ext uri="{FF2B5EF4-FFF2-40B4-BE49-F238E27FC236}">
+                <a16:creationId xmlns:a16="http://schemas.microsoft.com/office/drawing/2014/main" id="{6F8A678F-B4B7-46FE-A72A-5E64F1EC191C}"/>
               </a:ext>
             </a:extLst>
           </p:cNvPr>
@@ -3802,21 +3673,74 @@
           <p:nvPr/>
         </p:nvPicPr>
         <p:blipFill>
-          <a:blip r:embed="rId2"/>
+          <a:blip r:embed="rId3"/>
           <a:stretch>
             <a:fillRect/>
           </a:stretch>
         </p:blipFill>
         <p:spPr>
           <a:xfrm>
-            <a:off x="5834062" y="3891598"/>
-            <a:ext cx="3709797" cy="2773680"/>
+            <a:off x="7046595" y="1466437"/>
+            <a:ext cx="1853565" cy="2118361"/>
           </a:xfrm>
           <a:prstGeom prst="rect">
             <a:avLst/>
           </a:prstGeom>
         </p:spPr>
       </p:pic>
+      <p:sp>
+        <p:nvSpPr>
+          <p:cNvPr id="8" name="TextBox 7">
+            <a:extLst>
+              <a:ext uri="{FF2B5EF4-FFF2-40B4-BE49-F238E27FC236}">
+                <a16:creationId xmlns:a16="http://schemas.microsoft.com/office/drawing/2014/main" id="{BB3493F7-C09A-43BA-A06B-D8CB00E1CFD4}"/>
+              </a:ext>
+            </a:extLst>
+          </p:cNvPr>
+          <p:cNvSpPr txBox="1"/>
+          <p:nvPr/>
+        </p:nvSpPr>
+        <p:spPr>
+          <a:xfrm>
+            <a:off x="1240536" y="6022848"/>
+            <a:ext cx="9893808" cy="1200329"/>
+          </a:xfrm>
+          <a:prstGeom prst="rect">
+            <a:avLst/>
+          </a:prstGeom>
+          <a:noFill/>
+        </p:spPr>
+        <p:txBody>
+          <a:bodyPr wrap="square" rtlCol="0">
+            <a:spAutoFit/>
+          </a:bodyPr>
+          <a:lstStyle/>
+          <a:p>
+            <a:r>
+              <a:rPr lang="it-IT" dirty="0">
+                <a:solidFill>
+                  <a:srgbClr val="FF0000"/>
+                </a:solidFill>
+              </a:rPr>
+              <a:t>Seconda cosa</a:t>
+            </a:r>
+            <a:r>
+              <a:rPr lang="it-IT" dirty="0"/>
+              <a:t>: ho segnato le modifiche in due file, diff-src-fltk-panel_opengl.cpp e diff-src-fltk-PVCReativityUI.cpp, controllate che ci sia tutto e non mi sia perso dietro niente</a:t>
+            </a:r>
+          </a:p>
+          <a:p>
+            <a:endParaRPr lang="it-IT" dirty="0"/>
+          </a:p>
+          <a:p>
+            <a:r>
+              <a:rPr lang="it-IT" dirty="0"/>
+              <a:t> </a:t>
+            </a:r>
+            <a:endParaRPr lang="en-US" dirty="0"/>
+          </a:p>
+        </p:txBody>
+      </p:sp>
     </p:spTree>
     <p:extLst>
       <p:ext uri="{BB962C8B-B14F-4D97-AF65-F5344CB8AC3E}">
@@ -3849,6 +3773,1048 @@
       </p:grpSpPr>
       <p:sp>
         <p:nvSpPr>
+          <p:cNvPr id="2" name="Title 1">
+            <a:extLst>
+              <a:ext uri="{FF2B5EF4-FFF2-40B4-BE49-F238E27FC236}">
+                <a16:creationId xmlns:a16="http://schemas.microsoft.com/office/drawing/2014/main" id="{07DF3CB9-EAE5-4DA2-84FE-8BE53E3C428E}"/>
+              </a:ext>
+            </a:extLst>
+          </p:cNvPr>
+          <p:cNvSpPr>
+            <a:spLocks noGrp="1"/>
+          </p:cNvSpPr>
+          <p:nvPr>
+            <p:ph type="ctrTitle"/>
+          </p:nvPr>
+        </p:nvSpPr>
+        <p:spPr>
+          <a:xfrm>
+            <a:off x="1524000" y="1122363"/>
+            <a:ext cx="6394704" cy="871029"/>
+          </a:xfrm>
+        </p:spPr>
+        <p:txBody>
+          <a:bodyPr>
+            <a:normAutofit fontScale="90000"/>
+          </a:bodyPr>
+          <a:lstStyle/>
+          <a:p>
+            <a:pPr algn="l"/>
+            <a:r>
+              <a:rPr lang="it-IT" dirty="0"/>
+              <a:t>Questioni 2</a:t>
+            </a:r>
+            <a:endParaRPr lang="en-US" dirty="0"/>
+          </a:p>
+        </p:txBody>
+      </p:sp>
+      <p:sp>
+        <p:nvSpPr>
+          <p:cNvPr id="3" name="Subtitle 2">
+            <a:extLst>
+              <a:ext uri="{FF2B5EF4-FFF2-40B4-BE49-F238E27FC236}">
+                <a16:creationId xmlns:a16="http://schemas.microsoft.com/office/drawing/2014/main" id="{7E532D42-5EFB-4F3F-8DB1-D583884E9856}"/>
+              </a:ext>
+            </a:extLst>
+          </p:cNvPr>
+          <p:cNvSpPr>
+            <a:spLocks noGrp="1"/>
+          </p:cNvSpPr>
+          <p:nvPr>
+            <p:ph type="subTitle" idx="1"/>
+          </p:nvPr>
+        </p:nvSpPr>
+        <p:spPr>
+          <a:xfrm>
+            <a:off x="1335024" y="2383508"/>
+            <a:ext cx="9589008" cy="1719100"/>
+          </a:xfrm>
+        </p:spPr>
+        <p:txBody>
+          <a:bodyPr>
+            <a:normAutofit fontScale="70000" lnSpcReduction="20000"/>
+          </a:bodyPr>
+          <a:lstStyle/>
+          <a:p>
+            <a:pPr marL="342900" indent="-342900" algn="l">
+              <a:buFont typeface="Arial" panose="020B0604020202020204" pitchFamily="34" charset="0"/>
+              <a:buChar char="•"/>
+            </a:pPr>
+            <a:r>
+              <a:rPr lang="it-IT" dirty="0"/>
+              <a:t>Dimensioni interfaccia? (800x600? Reattiva? Per non sbatterci suggerirei fissa a 800x600)</a:t>
+            </a:r>
+          </a:p>
+          <a:p>
+            <a:pPr marL="342900" indent="-342900" algn="l">
+              <a:buFont typeface="Arial" panose="020B0604020202020204" pitchFamily="34" charset="0"/>
+              <a:buChar char="•"/>
+            </a:pPr>
+            <a:r>
+              <a:rPr lang="en-US" dirty="0" err="1"/>
+              <a:t>Quando</a:t>
+            </a:r>
+            <a:r>
+              <a:rPr lang="en-US" dirty="0"/>
+              <a:t> </a:t>
+            </a:r>
+            <a:r>
+              <a:rPr lang="en-US" dirty="0" err="1"/>
+              <a:t>si</a:t>
+            </a:r>
+            <a:r>
+              <a:rPr lang="en-US" dirty="0"/>
+              <a:t> </a:t>
+            </a:r>
+            <a:r>
+              <a:rPr lang="en-US" dirty="0" err="1"/>
+              <a:t>schiaccia</a:t>
+            </a:r>
+            <a:r>
+              <a:rPr lang="en-US" dirty="0"/>
+              <a:t> Run, far </a:t>
+            </a:r>
+            <a:r>
+              <a:rPr lang="en-US" dirty="0" err="1"/>
+              <a:t>partire</a:t>
+            </a:r>
+            <a:r>
+              <a:rPr lang="en-US" dirty="0"/>
+              <a:t> una </a:t>
+            </a:r>
+            <a:r>
+              <a:rPr lang="en-US" dirty="0" err="1"/>
+              <a:t>qualche</a:t>
+            </a:r>
+            <a:r>
+              <a:rPr lang="en-US" dirty="0"/>
+              <a:t> </a:t>
+            </a:r>
+            <a:r>
+              <a:rPr lang="en-US" dirty="0" err="1"/>
+              <a:t>animazione</a:t>
+            </a:r>
+            <a:r>
+              <a:rPr lang="en-US" dirty="0"/>
+              <a:t> </a:t>
+            </a:r>
+            <a:r>
+              <a:rPr lang="en-US" dirty="0" err="1"/>
+              <a:t>che</a:t>
+            </a:r>
+            <a:r>
+              <a:rPr lang="en-US" dirty="0"/>
+              <a:t> </a:t>
+            </a:r>
+            <a:r>
+              <a:rPr lang="en-US" dirty="0" err="1"/>
+              <a:t>dia</a:t>
+            </a:r>
+            <a:r>
+              <a:rPr lang="en-US" dirty="0"/>
+              <a:t> un </a:t>
+            </a:r>
+            <a:r>
+              <a:rPr lang="en-US" dirty="0" err="1"/>
+              <a:t>senso</a:t>
+            </a:r>
+            <a:r>
+              <a:rPr lang="en-US" dirty="0"/>
+              <a:t>.</a:t>
+            </a:r>
+          </a:p>
+          <a:p>
+            <a:pPr marL="800100" lvl="1" indent="-342900" algn="l">
+              <a:buFont typeface="Arial" panose="020B0604020202020204" pitchFamily="34" charset="0"/>
+              <a:buChar char="•"/>
+            </a:pPr>
+            <a:r>
+              <a:rPr lang="en-US" dirty="0"/>
+              <a:t>SE E’ FACILE, </a:t>
+            </a:r>
+            <a:r>
+              <a:rPr lang="en-US" dirty="0" err="1"/>
+              <a:t>il</a:t>
+            </a:r>
+            <a:r>
+              <a:rPr lang="en-US" dirty="0"/>
+              <a:t> sole </a:t>
+            </a:r>
+            <a:r>
+              <a:rPr lang="en-US" dirty="0" err="1"/>
+              <a:t>che</a:t>
+            </a:r>
+            <a:r>
+              <a:rPr lang="en-US" dirty="0"/>
+              <a:t> </a:t>
+            </a:r>
+            <a:r>
+              <a:rPr lang="en-US" dirty="0" err="1"/>
+              <a:t>gira</a:t>
+            </a:r>
+            <a:r>
+              <a:rPr lang="en-US" dirty="0"/>
+              <a:t> </a:t>
+            </a:r>
+            <a:r>
+              <a:rPr lang="en-US" dirty="0" err="1"/>
+              <a:t>attorno</a:t>
+            </a:r>
+            <a:r>
+              <a:rPr lang="en-US" dirty="0"/>
+              <a:t> al </a:t>
+            </a:r>
+            <a:r>
+              <a:rPr lang="en-US" dirty="0" err="1"/>
+              <a:t>pannello</a:t>
+            </a:r>
+            <a:endParaRPr lang="en-US" dirty="0"/>
+          </a:p>
+          <a:p>
+            <a:pPr marL="800100" lvl="1" indent="-342900" algn="l">
+              <a:buFont typeface="Arial" panose="020B0604020202020204" pitchFamily="34" charset="0"/>
+              <a:buChar char="•"/>
+            </a:pPr>
+            <a:r>
+              <a:rPr lang="en-US" dirty="0"/>
+              <a:t>SE NON E’ FACILE, far </a:t>
+            </a:r>
+            <a:r>
+              <a:rPr lang="en-US" dirty="0" err="1"/>
+              <a:t>caricare</a:t>
+            </a:r>
+            <a:r>
+              <a:rPr lang="en-US" dirty="0"/>
+              <a:t> </a:t>
+            </a:r>
+            <a:r>
+              <a:rPr lang="en-US" dirty="0" err="1"/>
+              <a:t>ogni</a:t>
+            </a:r>
+            <a:r>
+              <a:rPr lang="en-US" dirty="0"/>
+              <a:t> x loop (</a:t>
+            </a:r>
+            <a:r>
+              <a:rPr lang="en-US" dirty="0" err="1"/>
+              <a:t>tipo</a:t>
+            </a:r>
+            <a:r>
+              <a:rPr lang="en-US" dirty="0"/>
+              <a:t> 10?) una </a:t>
+            </a:r>
+            <a:r>
+              <a:rPr lang="en-US" dirty="0" err="1"/>
+              <a:t>immagine</a:t>
+            </a:r>
+            <a:r>
+              <a:rPr lang="en-US" dirty="0"/>
+              <a:t> jpeg o </a:t>
+            </a:r>
+            <a:r>
+              <a:rPr lang="en-US" dirty="0" err="1"/>
+              <a:t>png</a:t>
+            </a:r>
+            <a:r>
+              <a:rPr lang="en-US" dirty="0"/>
+              <a:t> </a:t>
+            </a:r>
+            <a:r>
+              <a:rPr lang="en-US" dirty="0" err="1"/>
+              <a:t>all’interno</a:t>
+            </a:r>
+            <a:r>
+              <a:rPr lang="en-US" dirty="0"/>
+              <a:t> del box. </a:t>
+            </a:r>
+          </a:p>
+          <a:p>
+            <a:pPr marL="1257300" lvl="2" indent="-342900" algn="l">
+              <a:buFont typeface="Arial" panose="020B0604020202020204" pitchFamily="34" charset="0"/>
+              <a:buChar char="•"/>
+            </a:pPr>
+            <a:r>
+              <a:rPr lang="en-US" dirty="0"/>
+              <a:t>Le </a:t>
+            </a:r>
+            <a:r>
+              <a:rPr lang="en-US" dirty="0" err="1"/>
+              <a:t>immagini</a:t>
+            </a:r>
+            <a:r>
+              <a:rPr lang="en-US" dirty="0"/>
+              <a:t> </a:t>
+            </a:r>
+            <a:r>
+              <a:rPr lang="en-US" dirty="0" err="1"/>
+              <a:t>vengono</a:t>
+            </a:r>
+            <a:r>
+              <a:rPr lang="en-US" dirty="0"/>
+              <a:t> generate da </a:t>
+            </a:r>
+            <a:r>
+              <a:rPr lang="en-US" dirty="0" err="1"/>
+              <a:t>gnuplot</a:t>
+            </a:r>
+            <a:r>
+              <a:rPr lang="en-US" dirty="0"/>
+              <a:t> (</a:t>
+            </a:r>
+            <a:r>
+              <a:rPr lang="en-US" dirty="0" err="1"/>
+              <a:t>src</a:t>
+            </a:r>
+            <a:r>
+              <a:rPr lang="en-US" dirty="0"/>
+              <a:t>/plot/gnuplot.cpp) con </a:t>
+            </a:r>
+            <a:r>
+              <a:rPr lang="en-US" dirty="0" err="1"/>
+              <a:t>il</a:t>
+            </a:r>
+            <a:r>
+              <a:rPr lang="en-US" dirty="0"/>
+              <a:t> </a:t>
+            </a:r>
+            <a:r>
+              <a:rPr lang="en-US" dirty="0" err="1"/>
+              <a:t>grafico</a:t>
+            </a:r>
+            <a:r>
+              <a:rPr lang="en-US" dirty="0"/>
+              <a:t> del </a:t>
+            </a:r>
+            <a:r>
+              <a:rPr lang="en-US" dirty="0" err="1"/>
+              <a:t>rendeimento</a:t>
+            </a:r>
+            <a:r>
+              <a:rPr lang="en-US" dirty="0"/>
+              <a:t> </a:t>
+            </a:r>
+            <a:r>
+              <a:rPr lang="en-US" dirty="0" err="1"/>
+              <a:t>della</a:t>
+            </a:r>
+            <a:r>
+              <a:rPr lang="en-US" dirty="0"/>
+              <a:t> </a:t>
+            </a:r>
+            <a:r>
+              <a:rPr lang="en-US" dirty="0" err="1"/>
+              <a:t>giornata</a:t>
+            </a:r>
+            <a:r>
+              <a:rPr lang="en-US" dirty="0"/>
+              <a:t> </a:t>
+            </a:r>
+            <a:r>
+              <a:rPr lang="en-US" dirty="0" err="1"/>
+              <a:t>tipo</a:t>
+            </a:r>
+            <a:r>
+              <a:rPr lang="en-US" dirty="0"/>
+              <a:t> </a:t>
+            </a:r>
+            <a:r>
+              <a:rPr lang="en-US" dirty="0" err="1"/>
+              <a:t>questo</a:t>
+            </a:r>
+            <a:r>
+              <a:rPr lang="en-US" dirty="0"/>
+              <a:t> qua sotto e </a:t>
+            </a:r>
+            <a:r>
+              <a:rPr lang="en-US" dirty="0" err="1"/>
+              <a:t>salvate</a:t>
+            </a:r>
+            <a:r>
+              <a:rPr lang="en-US" dirty="0"/>
+              <a:t> </a:t>
+            </a:r>
+            <a:r>
+              <a:rPr lang="en-US" dirty="0" err="1"/>
+              <a:t>su</a:t>
+            </a:r>
+            <a:r>
+              <a:rPr lang="en-US" dirty="0"/>
+              <a:t> disco. Di </a:t>
+            </a:r>
+            <a:r>
+              <a:rPr lang="en-US" dirty="0" err="1"/>
+              <a:t>gnuplot</a:t>
+            </a:r>
+            <a:r>
+              <a:rPr lang="en-US" dirty="0"/>
+              <a:t> mi </a:t>
+            </a:r>
+            <a:r>
+              <a:rPr lang="en-US" dirty="0" err="1"/>
+              <a:t>occupo</a:t>
+            </a:r>
+            <a:r>
+              <a:rPr lang="en-US" dirty="0"/>
+              <a:t> </a:t>
+            </a:r>
+            <a:r>
+              <a:rPr lang="en-US" dirty="0" err="1"/>
+              <a:t>io</a:t>
+            </a:r>
+            <a:r>
+              <a:rPr lang="en-US" dirty="0"/>
+              <a:t>, </a:t>
+            </a:r>
+            <a:r>
+              <a:rPr lang="en-US" dirty="0" err="1"/>
+              <a:t>basta</a:t>
+            </a:r>
+            <a:r>
+              <a:rPr lang="en-US" dirty="0"/>
+              <a:t> </a:t>
+            </a:r>
+            <a:r>
+              <a:rPr lang="en-US" dirty="0" err="1"/>
+              <a:t>che</a:t>
+            </a:r>
+            <a:r>
+              <a:rPr lang="en-US" dirty="0"/>
+              <a:t> mi </a:t>
+            </a:r>
+            <a:r>
+              <a:rPr lang="en-US" dirty="0" err="1"/>
+              <a:t>dite</a:t>
+            </a:r>
+            <a:r>
+              <a:rPr lang="en-US" dirty="0"/>
+              <a:t> in </a:t>
+            </a:r>
+            <a:r>
+              <a:rPr lang="en-US" dirty="0" err="1"/>
+              <a:t>che</a:t>
+            </a:r>
+            <a:r>
+              <a:rPr lang="en-US" dirty="0"/>
+              <a:t> </a:t>
+            </a:r>
+            <a:r>
+              <a:rPr lang="en-US" dirty="0" err="1"/>
+              <a:t>dimensioni</a:t>
+            </a:r>
+            <a:r>
+              <a:rPr lang="en-US" dirty="0"/>
+              <a:t> e </a:t>
+            </a:r>
+            <a:r>
+              <a:rPr lang="en-US" dirty="0" err="1"/>
+              <a:t>ogni</a:t>
+            </a:r>
+            <a:r>
+              <a:rPr lang="en-US" dirty="0"/>
+              <a:t> “</a:t>
+            </a:r>
+            <a:r>
+              <a:rPr lang="en-US" dirty="0" err="1"/>
+              <a:t>quanto</a:t>
+            </a:r>
+            <a:r>
+              <a:rPr lang="en-US" dirty="0"/>
+              <a:t>” le </a:t>
+            </a:r>
+            <a:r>
+              <a:rPr lang="en-US" dirty="0" err="1"/>
+              <a:t>volete</a:t>
+            </a:r>
+            <a:r>
+              <a:rPr lang="en-US" dirty="0"/>
+              <a:t> (</a:t>
+            </a:r>
+            <a:r>
+              <a:rPr lang="en-US" dirty="0" err="1"/>
+              <a:t>tipo</a:t>
+            </a:r>
+            <a:r>
+              <a:rPr lang="en-US" dirty="0"/>
+              <a:t> la </a:t>
+            </a:r>
+            <a:r>
+              <a:rPr lang="en-US" dirty="0" err="1"/>
+              <a:t>simulazione</a:t>
+            </a:r>
+            <a:r>
+              <a:rPr lang="en-US" dirty="0"/>
+              <a:t> </a:t>
+            </a:r>
+            <a:r>
+              <a:rPr lang="en-US" dirty="0" err="1"/>
+              <a:t>va</a:t>
+            </a:r>
+            <a:r>
+              <a:rPr lang="en-US" dirty="0"/>
+              <a:t> dal </a:t>
+            </a:r>
+            <a:r>
+              <a:rPr lang="en-US" dirty="0" err="1"/>
+              <a:t>giorno</a:t>
+            </a:r>
+            <a:r>
+              <a:rPr lang="en-US" dirty="0"/>
+              <a:t> 1 al </a:t>
+            </a:r>
+            <a:r>
+              <a:rPr lang="en-US" dirty="0" err="1"/>
+              <a:t>giorno</a:t>
+            </a:r>
+            <a:r>
+              <a:rPr lang="en-US" dirty="0"/>
+              <a:t> 365, </a:t>
+            </a:r>
+            <a:r>
+              <a:rPr lang="en-US" dirty="0" err="1"/>
+              <a:t>facciamo</a:t>
+            </a:r>
+            <a:r>
+              <a:rPr lang="en-US" dirty="0"/>
+              <a:t> </a:t>
+            </a:r>
+            <a:r>
+              <a:rPr lang="en-US" dirty="0" err="1"/>
+              <a:t>ogni</a:t>
+            </a:r>
+            <a:r>
+              <a:rPr lang="en-US" dirty="0"/>
+              <a:t> 10 “</a:t>
+            </a:r>
+            <a:r>
+              <a:rPr lang="en-US" dirty="0" err="1"/>
+              <a:t>giorni</a:t>
+            </a:r>
+            <a:r>
+              <a:rPr lang="en-US" dirty="0"/>
+              <a:t>” </a:t>
+            </a:r>
+            <a:r>
+              <a:rPr lang="en-US" dirty="0" err="1"/>
+              <a:t>si</a:t>
+            </a:r>
+            <a:r>
+              <a:rPr lang="en-US" dirty="0"/>
+              <a:t> </a:t>
+            </a:r>
+            <a:r>
+              <a:rPr lang="en-US" dirty="0" err="1"/>
+              <a:t>carica</a:t>
+            </a:r>
+            <a:r>
+              <a:rPr lang="en-US" dirty="0"/>
+              <a:t> </a:t>
+            </a:r>
+            <a:r>
+              <a:rPr lang="en-US" dirty="0" err="1"/>
+              <a:t>un’immagine</a:t>
+            </a:r>
+            <a:r>
+              <a:rPr lang="en-US" dirty="0"/>
+              <a:t> </a:t>
+            </a:r>
+            <a:r>
+              <a:rPr lang="en-US" dirty="0" err="1"/>
+              <a:t>nuova</a:t>
+            </a:r>
+            <a:r>
+              <a:rPr lang="en-US" dirty="0"/>
+              <a:t>?)</a:t>
+            </a:r>
+          </a:p>
+        </p:txBody>
+      </p:sp>
+      <p:pic>
+        <p:nvPicPr>
+          <p:cNvPr id="4" name="Picture 3">
+            <a:extLst>
+              <a:ext uri="{FF2B5EF4-FFF2-40B4-BE49-F238E27FC236}">
+                <a16:creationId xmlns:a16="http://schemas.microsoft.com/office/drawing/2014/main" id="{21088CA0-FB50-427C-9681-ED5A2452D895}"/>
+              </a:ext>
+            </a:extLst>
+          </p:cNvPr>
+          <p:cNvPicPr>
+            <a:picLocks noChangeAspect="1"/>
+          </p:cNvPicPr>
+          <p:nvPr/>
+        </p:nvPicPr>
+        <p:blipFill>
+          <a:blip r:embed="rId2"/>
+          <a:stretch>
+            <a:fillRect/>
+          </a:stretch>
+        </p:blipFill>
+        <p:spPr>
+          <a:xfrm>
+            <a:off x="6096000" y="4194718"/>
+            <a:ext cx="3051619" cy="2281584"/>
+          </a:xfrm>
+          <a:prstGeom prst="rect">
+            <a:avLst/>
+          </a:prstGeom>
+        </p:spPr>
+      </p:pic>
+    </p:spTree>
+    <p:extLst>
+      <p:ext uri="{BB962C8B-B14F-4D97-AF65-F5344CB8AC3E}">
+        <p14:creationId xmlns:p14="http://schemas.microsoft.com/office/powerpoint/2010/main" val="281743717"/>
+      </p:ext>
+    </p:extLst>
+  </p:cSld>
+  <p:clrMapOvr>
+    <a:masterClrMapping/>
+  </p:clrMapOvr>
+</p:sld>
+</file>
+
+<file path=ppt/slides/slide3.xml><?xml version="1.0" encoding="utf-8"?>
+<p:sld xmlns:a="http://schemas.openxmlformats.org/drawingml/2006/main" xmlns:r="http://schemas.openxmlformats.org/officeDocument/2006/relationships" xmlns:p="http://schemas.openxmlformats.org/presentationml/2006/main">
+  <p:cSld>
+    <p:spTree>
+      <p:nvGrpSpPr>
+        <p:cNvPr id="1" name=""/>
+        <p:cNvGrpSpPr/>
+        <p:nvPr/>
+      </p:nvGrpSpPr>
+      <p:grpSpPr>
+        <a:xfrm>
+          <a:off x="0" y="0"/>
+          <a:ext cx="0" cy="0"/>
+          <a:chOff x="0" y="0"/>
+          <a:chExt cx="0" cy="0"/>
+        </a:xfrm>
+      </p:grpSpPr>
+      <p:sp>
+        <p:nvSpPr>
+          <p:cNvPr id="2" name="Title 1">
+            <a:extLst>
+              <a:ext uri="{FF2B5EF4-FFF2-40B4-BE49-F238E27FC236}">
+                <a16:creationId xmlns:a16="http://schemas.microsoft.com/office/drawing/2014/main" id="{D2008F82-F223-487B-BE76-4FE9881921A6}"/>
+              </a:ext>
+            </a:extLst>
+          </p:cNvPr>
+          <p:cNvSpPr>
+            <a:spLocks noGrp="1"/>
+          </p:cNvSpPr>
+          <p:nvPr>
+            <p:ph type="title"/>
+          </p:nvPr>
+        </p:nvSpPr>
+        <p:spPr/>
+        <p:txBody>
+          <a:bodyPr/>
+          <a:lstStyle/>
+          <a:p>
+            <a:r>
+              <a:rPr lang="it-IT" dirty="0"/>
+              <a:t>Questioni 3</a:t>
+            </a:r>
+            <a:endParaRPr lang="en-US" dirty="0"/>
+          </a:p>
+        </p:txBody>
+      </p:sp>
+      <p:sp>
+        <p:nvSpPr>
+          <p:cNvPr id="3" name="Content Placeholder 2">
+            <a:extLst>
+              <a:ext uri="{FF2B5EF4-FFF2-40B4-BE49-F238E27FC236}">
+                <a16:creationId xmlns:a16="http://schemas.microsoft.com/office/drawing/2014/main" id="{66DA1F76-D217-4927-A8F1-C3B4E4DE9327}"/>
+              </a:ext>
+            </a:extLst>
+          </p:cNvPr>
+          <p:cNvSpPr>
+            <a:spLocks noGrp="1"/>
+          </p:cNvSpPr>
+          <p:nvPr>
+            <p:ph idx="1"/>
+          </p:nvPr>
+        </p:nvSpPr>
+        <p:spPr/>
+        <p:txBody>
+          <a:bodyPr>
+            <a:normAutofit/>
+          </a:bodyPr>
+          <a:lstStyle/>
+          <a:p>
+            <a:r>
+              <a:rPr lang="it-IT" dirty="0"/>
+              <a:t>Warning vari:</a:t>
+            </a:r>
+          </a:p>
+          <a:p>
+            <a:pPr lvl="1"/>
+            <a:r>
+              <a:rPr lang="en-US" sz="1000" dirty="0"/>
+              <a:t>1&gt;Done building project "</a:t>
+            </a:r>
+            <a:r>
+              <a:rPr lang="en-US" sz="1000" dirty="0" err="1"/>
+              <a:t>pv-creativity.vcxproj</a:t>
+            </a:r>
+            <a:r>
+              <a:rPr lang="en-US" sz="1000" dirty="0"/>
+              <a:t>".</a:t>
+            </a:r>
+          </a:p>
+          <a:p>
+            <a:pPr lvl="1"/>
+            <a:r>
+              <a:rPr lang="en-US" sz="1000" dirty="0"/>
+              <a:t>1&gt;</a:t>
+            </a:r>
+          </a:p>
+          <a:p>
+            <a:pPr lvl="1"/>
+            <a:r>
+              <a:rPr lang="en-US" sz="1000" dirty="0"/>
+              <a:t>1&gt;Build succeeded.</a:t>
+            </a:r>
+          </a:p>
+          <a:p>
+            <a:pPr lvl="1"/>
+            <a:r>
+              <a:rPr lang="en-US" sz="1000" dirty="0"/>
+              <a:t>1&gt;</a:t>
+            </a:r>
+          </a:p>
+          <a:p>
+            <a:pPr lvl="1"/>
+            <a:r>
+              <a:rPr lang="en-US" sz="1000" dirty="0"/>
+              <a:t>1&gt;C:\Users\dmg\C++\repos\</a:t>
+            </a:r>
+            <a:r>
+              <a:rPr lang="en-US" sz="1000" dirty="0" err="1"/>
+              <a:t>pv</a:t>
+            </a:r>
+            <a:r>
+              <a:rPr lang="en-US" sz="1000" dirty="0"/>
+              <a:t>-creativity\</a:t>
+            </a:r>
+            <a:r>
+              <a:rPr lang="en-US" sz="1000" dirty="0" err="1"/>
+              <a:t>src</a:t>
+            </a:r>
+            <a:r>
+              <a:rPr lang="en-US" sz="1000" dirty="0"/>
+              <a:t>\</a:t>
+            </a:r>
+            <a:r>
+              <a:rPr lang="en-US" sz="1000" dirty="0" err="1"/>
+              <a:t>fltk</a:t>
+            </a:r>
+            <a:r>
+              <a:rPr lang="en-US" sz="1000" dirty="0"/>
+              <a:t>\panel_opengl.cpp(108,27): warning C4305: 'initializing': truncation from 'double' to 'float'</a:t>
+            </a:r>
+          </a:p>
+          <a:p>
+            <a:pPr lvl="1"/>
+            <a:r>
+              <a:rPr lang="en-US" sz="1000" dirty="0"/>
+              <a:t>1&gt;C:\Users\dmg\C++\repos\</a:t>
+            </a:r>
+            <a:r>
+              <a:rPr lang="en-US" sz="1000" dirty="0" err="1"/>
+              <a:t>pv</a:t>
+            </a:r>
+            <a:r>
+              <a:rPr lang="en-US" sz="1000" dirty="0"/>
+              <a:t>-creativity\</a:t>
+            </a:r>
+            <a:r>
+              <a:rPr lang="en-US" sz="1000" dirty="0" err="1"/>
+              <a:t>src</a:t>
+            </a:r>
+            <a:r>
+              <a:rPr lang="en-US" sz="1000" dirty="0"/>
+              <a:t>\</a:t>
+            </a:r>
+            <a:r>
+              <a:rPr lang="en-US" sz="1000" dirty="0" err="1"/>
+              <a:t>fltk</a:t>
+            </a:r>
+            <a:r>
+              <a:rPr lang="en-US" sz="1000" dirty="0"/>
+              <a:t>\panel_opengl.cpp(115,28): warning C4244: '=': conversion from 'double' to 'float', possible loss of data</a:t>
+            </a:r>
+          </a:p>
+          <a:p>
+            <a:pPr lvl="1"/>
+            <a:r>
+              <a:rPr lang="en-US" sz="1000" dirty="0"/>
+              <a:t>1&gt;C:\Users\dmg\C++\repos\</a:t>
+            </a:r>
+            <a:r>
+              <a:rPr lang="en-US" sz="1000" dirty="0" err="1"/>
+              <a:t>pv</a:t>
+            </a:r>
+            <a:r>
+              <a:rPr lang="en-US" sz="1000" dirty="0"/>
+              <a:t>-creativity\</a:t>
+            </a:r>
+            <a:r>
+              <a:rPr lang="en-US" sz="1000" dirty="0" err="1"/>
+              <a:t>src</a:t>
+            </a:r>
+            <a:r>
+              <a:rPr lang="en-US" sz="1000" dirty="0"/>
+              <a:t>\</a:t>
+            </a:r>
+            <a:r>
+              <a:rPr lang="en-US" sz="1000" dirty="0" err="1"/>
+              <a:t>fltk</a:t>
+            </a:r>
+            <a:r>
+              <a:rPr lang="en-US" sz="1000" dirty="0"/>
+              <a:t>\panel_opengl.cpp(118,31): warning C4244: 'argument': conversion from 'const double' to '</a:t>
+            </a:r>
+            <a:r>
+              <a:rPr lang="en-US" sz="1000" dirty="0" err="1"/>
+              <a:t>GLfloat</a:t>
+            </a:r>
+            <a:r>
+              <a:rPr lang="en-US" sz="1000" dirty="0"/>
+              <a:t>', possible loss of data</a:t>
+            </a:r>
+          </a:p>
+          <a:p>
+            <a:pPr lvl="1"/>
+            <a:r>
+              <a:rPr lang="en-US" sz="1000" dirty="0"/>
+              <a:t>1&gt;C:\Users\dmg\C++\repos\</a:t>
+            </a:r>
+            <a:r>
+              <a:rPr lang="en-US" sz="1000" dirty="0" err="1"/>
+              <a:t>pv</a:t>
+            </a:r>
+            <a:r>
+              <a:rPr lang="en-US" sz="1000" dirty="0"/>
+              <a:t>-creativity\</a:t>
+            </a:r>
+            <a:r>
+              <a:rPr lang="en-US" sz="1000" dirty="0" err="1"/>
+              <a:t>src</a:t>
+            </a:r>
+            <a:r>
+              <a:rPr lang="en-US" sz="1000" dirty="0"/>
+              <a:t>\</a:t>
+            </a:r>
+            <a:r>
+              <a:rPr lang="en-US" sz="1000" dirty="0" err="1"/>
+              <a:t>fltk</a:t>
+            </a:r>
+            <a:r>
+              <a:rPr lang="en-US" sz="1000" dirty="0"/>
+              <a:t>\panel_opengl.cpp(118,25): warning C4244: 'argument': conversion from 'const double' to '</a:t>
+            </a:r>
+            <a:r>
+              <a:rPr lang="en-US" sz="1000" dirty="0" err="1"/>
+              <a:t>GLfloat</a:t>
+            </a:r>
+            <a:r>
+              <a:rPr lang="en-US" sz="1000" dirty="0"/>
+              <a:t>', possible loss of data</a:t>
+            </a:r>
+          </a:p>
+          <a:p>
+            <a:pPr lvl="1"/>
+            <a:r>
+              <a:rPr lang="en-US" sz="1000" dirty="0"/>
+              <a:t>1&gt;C:\Users\dmg\C++\repos\</a:t>
+            </a:r>
+            <a:r>
+              <a:rPr lang="en-US" sz="1000" dirty="0" err="1"/>
+              <a:t>pv</a:t>
+            </a:r>
+            <a:r>
+              <a:rPr lang="en-US" sz="1000" dirty="0"/>
+              <a:t>-creativity\</a:t>
+            </a:r>
+            <a:r>
+              <a:rPr lang="en-US" sz="1000" dirty="0" err="1"/>
+              <a:t>src</a:t>
+            </a:r>
+            <a:r>
+              <a:rPr lang="en-US" sz="1000" dirty="0"/>
+              <a:t>\</a:t>
+            </a:r>
+            <a:r>
+              <a:rPr lang="en-US" sz="1000" dirty="0" err="1"/>
+              <a:t>fltk</a:t>
+            </a:r>
+            <a:r>
+              <a:rPr lang="en-US" sz="1000" dirty="0"/>
+              <a:t>\panel_opengl.cpp(118,19): warning C4244: 'argument': conversion from 'const double' to '</a:t>
+            </a:r>
+            <a:r>
+              <a:rPr lang="en-US" sz="1000" dirty="0" err="1"/>
+              <a:t>GLfloat</a:t>
+            </a:r>
+            <a:r>
+              <a:rPr lang="en-US" sz="1000" dirty="0"/>
+              <a:t>', possible loss of data</a:t>
+            </a:r>
+          </a:p>
+          <a:p>
+            <a:pPr lvl="1"/>
+            <a:r>
+              <a:rPr lang="en-US" sz="1000" dirty="0"/>
+              <a:t>1&gt;C:\Users\dmg\C++\repos\</a:t>
+            </a:r>
+            <a:r>
+              <a:rPr lang="en-US" sz="1000" dirty="0" err="1"/>
+              <a:t>pv</a:t>
+            </a:r>
+            <a:r>
+              <a:rPr lang="en-US" sz="1000" dirty="0"/>
+              <a:t>-creativity\</a:t>
+            </a:r>
+            <a:r>
+              <a:rPr lang="en-US" sz="1000" dirty="0" err="1"/>
+              <a:t>src</a:t>
+            </a:r>
+            <a:r>
+              <a:rPr lang="en-US" sz="1000" dirty="0"/>
+              <a:t>\</a:t>
+            </a:r>
+            <a:r>
+              <a:rPr lang="en-US" sz="1000" dirty="0" err="1"/>
+              <a:t>fltk</a:t>
+            </a:r>
+            <a:r>
+              <a:rPr lang="en-US" sz="1000" dirty="0"/>
+              <a:t>\panel_opengl.cpp(194,18): warning C4244: '=': conversion from 'LONG' to 'float', possible loss of data</a:t>
+            </a:r>
+          </a:p>
+          <a:p>
+            <a:pPr lvl="1"/>
+            <a:r>
+              <a:rPr lang="en-US" sz="1000" dirty="0"/>
+              <a:t>1&gt;C:\Users\dmg\C++\repos\</a:t>
+            </a:r>
+            <a:r>
+              <a:rPr lang="en-US" sz="1000" dirty="0" err="1"/>
+              <a:t>pv</a:t>
+            </a:r>
+            <a:r>
+              <a:rPr lang="en-US" sz="1000" dirty="0"/>
+              <a:t>-creativity\</a:t>
+            </a:r>
+            <a:r>
+              <a:rPr lang="en-US" sz="1000" dirty="0" err="1"/>
+              <a:t>src</a:t>
+            </a:r>
+            <a:r>
+              <a:rPr lang="en-US" sz="1000" dirty="0"/>
+              <a:t>\</a:t>
+            </a:r>
+            <a:r>
+              <a:rPr lang="en-US" sz="1000" dirty="0" err="1"/>
+              <a:t>fltk</a:t>
+            </a:r>
+            <a:r>
+              <a:rPr lang="en-US" sz="1000" dirty="0"/>
+              <a:t>\panel_opengl.cpp(196,18): warning C4244: '=': conversion from 'LONG' to 'float', possible loss of data</a:t>
+            </a:r>
+          </a:p>
+          <a:p>
+            <a:pPr lvl="1"/>
+            <a:r>
+              <a:rPr lang="en-US" sz="1000" dirty="0"/>
+              <a:t>1&gt;C:\Users\dmg\C++\repos\</a:t>
+            </a:r>
+            <a:r>
+              <a:rPr lang="en-US" sz="1000" dirty="0" err="1"/>
+              <a:t>pv</a:t>
+            </a:r>
+            <a:r>
+              <a:rPr lang="en-US" sz="1000" dirty="0"/>
+              <a:t>-creativity\</a:t>
+            </a:r>
+            <a:r>
+              <a:rPr lang="en-US" sz="1000" dirty="0" err="1"/>
+              <a:t>src</a:t>
+            </a:r>
+            <a:r>
+              <a:rPr lang="en-US" sz="1000" dirty="0"/>
+              <a:t>\</a:t>
+            </a:r>
+            <a:r>
+              <a:rPr lang="en-US" sz="1000" dirty="0" err="1"/>
+              <a:t>fltk</a:t>
+            </a:r>
+            <a:r>
+              <a:rPr lang="en-US" sz="1000" dirty="0"/>
+              <a:t>\PVCreativityUI.cpp(49,24): warning C4018: '&lt;': signed/unsigned mismatch</a:t>
+            </a:r>
+          </a:p>
+          <a:p>
+            <a:pPr lvl="1"/>
+            <a:r>
+              <a:rPr lang="en-US" sz="1000" dirty="0"/>
+              <a:t>1&gt;    9 Warning(s)</a:t>
+            </a:r>
+          </a:p>
+          <a:p>
+            <a:pPr lvl="1"/>
+            <a:r>
+              <a:rPr lang="en-US" sz="1000" dirty="0"/>
+              <a:t>1&gt;    0 Error(s)</a:t>
+            </a:r>
+          </a:p>
+          <a:p>
+            <a:pPr lvl="1"/>
+            <a:r>
+              <a:rPr lang="en-US" sz="1000" dirty="0"/>
+              <a:t>1&gt;</a:t>
+            </a:r>
+          </a:p>
+          <a:p>
+            <a:pPr lvl="1"/>
+            <a:r>
+              <a:rPr lang="en-US" sz="1000" dirty="0"/>
+              <a:t>1&gt;Time Elapsed 00:00:11.21</a:t>
+            </a:r>
+          </a:p>
+        </p:txBody>
+      </p:sp>
+    </p:spTree>
+    <p:extLst>
+      <p:ext uri="{BB962C8B-B14F-4D97-AF65-F5344CB8AC3E}">
+        <p14:creationId xmlns:p14="http://schemas.microsoft.com/office/powerpoint/2010/main" val="2729447715"/>
+      </p:ext>
+    </p:extLst>
+  </p:cSld>
+  <p:clrMapOvr>
+    <a:masterClrMapping/>
+  </p:clrMapOvr>
+</p:sld>
+</file>
+
+<file path=ppt/slides/slide4.xml><?xml version="1.0" encoding="utf-8"?>
+<p:sld xmlns:a="http://schemas.openxmlformats.org/drawingml/2006/main" xmlns:r="http://schemas.openxmlformats.org/officeDocument/2006/relationships" xmlns:p="http://schemas.openxmlformats.org/presentationml/2006/main">
+  <p:cSld>
+    <p:spTree>
+      <p:nvGrpSpPr>
+        <p:cNvPr id="1" name=""/>
+        <p:cNvGrpSpPr/>
+        <p:nvPr/>
+      </p:nvGrpSpPr>
+      <p:grpSpPr>
+        <a:xfrm>
+          <a:off x="0" y="0"/>
+          <a:ext cx="0" cy="0"/>
+          <a:chOff x="0" y="0"/>
+          <a:chExt cx="0" cy="0"/>
+        </a:xfrm>
+      </p:grpSpPr>
+      <p:sp>
+        <p:nvSpPr>
           <p:cNvPr id="4" name="CasellaDiTesto 3">
             <a:extLst>
               <a:ext uri="{FF2B5EF4-FFF2-40B4-BE49-F238E27FC236}">
@@ -4401,7 +5367,7 @@
 </p:sld>
 </file>
 
-<file path=ppt/slides/slide3.xml><?xml version="1.0" encoding="utf-8"?>
+<file path=ppt/slides/slide5.xml><?xml version="1.0" encoding="utf-8"?>
 <p:sld xmlns:a="http://schemas.openxmlformats.org/drawingml/2006/main" xmlns:r="http://schemas.openxmlformats.org/officeDocument/2006/relationships" xmlns:p="http://schemas.openxmlformats.org/presentationml/2006/main">
   <p:cSld>
     <p:spTree>
@@ -5182,7 +6148,7 @@
 </p:sld>
 </file>
 
-<file path=ppt/slides/slide4.xml><?xml version="1.0" encoding="utf-8"?>
+<file path=ppt/slides/slide6.xml><?xml version="1.0" encoding="utf-8"?>
 <p:sld xmlns:a="http://schemas.openxmlformats.org/drawingml/2006/main" xmlns:r="http://schemas.openxmlformats.org/officeDocument/2006/relationships" xmlns:p="http://schemas.openxmlformats.org/presentationml/2006/main">
   <p:cSld>
     <p:spTree>
